--- a/14. Сложность алгоритмов завершение/14. Сложность алгоритмов завершение.pptx
+++ b/14. Сложность алгоритмов завершение/14. Сложность алгоритмов завершение.pptx
@@ -5,7 +5,7 @@
     <p:sldMasterId id="2147483984" r:id="rId1"/>
   </p:sldMasterIdLst>
   <p:notesMasterIdLst>
-    <p:notesMasterId r:id="rId21"/>
+    <p:notesMasterId r:id="rId22"/>
   </p:notesMasterIdLst>
   <p:sldIdLst>
     <p:sldId id="256" r:id="rId2"/>
@@ -25,8 +25,9 @@
     <p:sldId id="310" r:id="rId16"/>
     <p:sldId id="311" r:id="rId17"/>
     <p:sldId id="312" r:id="rId18"/>
-    <p:sldId id="313" r:id="rId19"/>
-    <p:sldId id="270" r:id="rId20"/>
+    <p:sldId id="314" r:id="rId19"/>
+    <p:sldId id="313" r:id="rId20"/>
+    <p:sldId id="270" r:id="rId21"/>
   </p:sldIdLst>
   <p:sldSz cx="12192000" cy="6858000"/>
   <p:notesSz cx="6858000" cy="9144000"/>
@@ -624,7 +625,7 @@
           <a:noFill/>
           <a:extLst>
             <a:ext uri="{909E8E84-426E-40dd-AFC4-6F175D3DCCD1}">
-              <a14:hiddenFill xmlns="" xmlns:a14="http://schemas.microsoft.com/office/drawing/2010/main">
+              <a14:hiddenFill xmlns:a14="http://schemas.microsoft.com/office/drawing/2010/main" xmlns="">
                 <a:solidFill>
                   <a:srgbClr val="FFFFFF"/>
                 </a:solidFill>
@@ -683,7 +684,7 @@
             </a:ln>
             <a:extLst>
               <a:ext uri="{91240B29-F687-4f45-9708-019B960494DF}">
-                <a14:hiddenLine xmlns="" xmlns:a14="http://schemas.microsoft.com/office/drawing/2010/main" w="9525">
+                <a14:hiddenLine xmlns:a14="http://schemas.microsoft.com/office/drawing/2010/main" xmlns="" w="9525">
                   <a:solidFill>
                     <a:srgbClr val="000000"/>
                   </a:solidFill>
@@ -773,7 +774,7 @@
             </a:ln>
             <a:extLst>
               <a:ext uri="{91240B29-F687-4f45-9708-019B960494DF}">
-                <a14:hiddenLine xmlns="" xmlns:a14="http://schemas.microsoft.com/office/drawing/2010/main" w="9525">
+                <a14:hiddenLine xmlns:a14="http://schemas.microsoft.com/office/drawing/2010/main" xmlns="" w="9525">
                   <a:solidFill>
                     <a:srgbClr val="000000"/>
                   </a:solidFill>
@@ -863,7 +864,7 @@
             </a:ln>
             <a:extLst>
               <a:ext uri="{91240B29-F687-4f45-9708-019B960494DF}">
-                <a14:hiddenLine xmlns="" xmlns:a14="http://schemas.microsoft.com/office/drawing/2010/main" w="9525">
+                <a14:hiddenLine xmlns:a14="http://schemas.microsoft.com/office/drawing/2010/main" xmlns="" w="9525">
                   <a:solidFill>
                     <a:srgbClr val="000000"/>
                   </a:solidFill>
@@ -897,7 +898,7 @@
             </a:ln>
             <a:extLst>
               <a:ext uri="{91240B29-F687-4f45-9708-019B960494DF}">
-                <a14:hiddenLine xmlns="" xmlns:a14="http://schemas.microsoft.com/office/drawing/2010/main" w="9525">
+                <a14:hiddenLine xmlns:a14="http://schemas.microsoft.com/office/drawing/2010/main" xmlns="" w="9525">
                   <a:solidFill>
                     <a:srgbClr val="000000"/>
                   </a:solidFill>
@@ -987,7 +988,7 @@
             </a:ln>
             <a:extLst>
               <a:ext uri="{91240B29-F687-4f45-9708-019B960494DF}">
-                <a14:hiddenLine xmlns="" xmlns:a14="http://schemas.microsoft.com/office/drawing/2010/main" w="9525">
+                <a14:hiddenLine xmlns:a14="http://schemas.microsoft.com/office/drawing/2010/main" xmlns="" w="9525">
                   <a:solidFill>
                     <a:srgbClr val="000000"/>
                   </a:solidFill>
@@ -1049,7 +1050,7 @@
             </a:ln>
             <a:extLst>
               <a:ext uri="{91240B29-F687-4f45-9708-019B960494DF}">
-                <a14:hiddenLine xmlns="" xmlns:a14="http://schemas.microsoft.com/office/drawing/2010/main" w="9525">
+                <a14:hiddenLine xmlns:a14="http://schemas.microsoft.com/office/drawing/2010/main" xmlns="" w="9525">
                   <a:solidFill>
                     <a:srgbClr val="000000"/>
                   </a:solidFill>
@@ -1111,7 +1112,7 @@
             </a:ln>
             <a:extLst>
               <a:ext uri="{91240B29-F687-4f45-9708-019B960494DF}">
-                <a14:hiddenLine xmlns="" xmlns:a14="http://schemas.microsoft.com/office/drawing/2010/main" w="9525">
+                <a14:hiddenLine xmlns:a14="http://schemas.microsoft.com/office/drawing/2010/main" xmlns="" w="9525">
                   <a:solidFill>
                     <a:srgbClr val="000000"/>
                   </a:solidFill>
@@ -1201,7 +1202,7 @@
             </a:ln>
             <a:extLst>
               <a:ext uri="{91240B29-F687-4f45-9708-019B960494DF}">
-                <a14:hiddenLine xmlns="" xmlns:a14="http://schemas.microsoft.com/office/drawing/2010/main" w="9525">
+                <a14:hiddenLine xmlns:a14="http://schemas.microsoft.com/office/drawing/2010/main" xmlns="" w="9525">
                   <a:solidFill>
                     <a:srgbClr val="000000"/>
                   </a:solidFill>
@@ -1263,7 +1264,7 @@
             </a:ln>
             <a:extLst>
               <a:ext uri="{91240B29-F687-4f45-9708-019B960494DF}">
-                <a14:hiddenLine xmlns="" xmlns:a14="http://schemas.microsoft.com/office/drawing/2010/main" w="9525">
+                <a14:hiddenLine xmlns:a14="http://schemas.microsoft.com/office/drawing/2010/main" xmlns="" w="9525">
                   <a:solidFill>
                     <a:srgbClr val="000000"/>
                   </a:solidFill>
@@ -1325,7 +1326,7 @@
             </a:ln>
             <a:extLst>
               <a:ext uri="{91240B29-F687-4f45-9708-019B960494DF}">
-                <a14:hiddenLine xmlns="" xmlns:a14="http://schemas.microsoft.com/office/drawing/2010/main" w="9525">
+                <a14:hiddenLine xmlns:a14="http://schemas.microsoft.com/office/drawing/2010/main" xmlns="" w="9525">
                   <a:solidFill>
                     <a:srgbClr val="000000"/>
                   </a:solidFill>
@@ -1415,7 +1416,7 @@
             </a:ln>
             <a:extLst>
               <a:ext uri="{91240B29-F687-4f45-9708-019B960494DF}">
-                <a14:hiddenLine xmlns="" xmlns:a14="http://schemas.microsoft.com/office/drawing/2010/main" w="9525">
+                <a14:hiddenLine xmlns:a14="http://schemas.microsoft.com/office/drawing/2010/main" xmlns="" w="9525">
                   <a:solidFill>
                     <a:srgbClr val="000000"/>
                   </a:solidFill>
@@ -1505,7 +1506,7 @@
             </a:ln>
             <a:extLst>
               <a:ext uri="{91240B29-F687-4f45-9708-019B960494DF}">
-                <a14:hiddenLine xmlns="" xmlns:a14="http://schemas.microsoft.com/office/drawing/2010/main" w="9525">
+                <a14:hiddenLine xmlns:a14="http://schemas.microsoft.com/office/drawing/2010/main" xmlns="" w="9525">
                   <a:solidFill>
                     <a:srgbClr val="000000"/>
                   </a:solidFill>
@@ -1567,7 +1568,7 @@
             </a:ln>
             <a:extLst>
               <a:ext uri="{91240B29-F687-4f45-9708-019B960494DF}">
-                <a14:hiddenLine xmlns="" xmlns:a14="http://schemas.microsoft.com/office/drawing/2010/main" w="9525">
+                <a14:hiddenLine xmlns:a14="http://schemas.microsoft.com/office/drawing/2010/main" xmlns="" w="9525">
                   <a:solidFill>
                     <a:srgbClr val="000000"/>
                   </a:solidFill>
@@ -1677,7 +1678,7 @@
             </a:ln>
             <a:extLst>
               <a:ext uri="{91240B29-F687-4f45-9708-019B960494DF}">
-                <a14:hiddenLine xmlns="" xmlns:a14="http://schemas.microsoft.com/office/drawing/2010/main" w="9525">
+                <a14:hiddenLine xmlns:a14="http://schemas.microsoft.com/office/drawing/2010/main" xmlns="" w="9525">
                   <a:solidFill>
                     <a:srgbClr val="000000"/>
                   </a:solidFill>
@@ -1739,7 +1740,7 @@
             </a:ln>
             <a:extLst>
               <a:ext uri="{91240B29-F687-4f45-9708-019B960494DF}">
-                <a14:hiddenLine xmlns="" xmlns:a14="http://schemas.microsoft.com/office/drawing/2010/main" w="9525">
+                <a14:hiddenLine xmlns:a14="http://schemas.microsoft.com/office/drawing/2010/main" xmlns="" w="9525">
                   <a:solidFill>
                     <a:srgbClr val="000000"/>
                   </a:solidFill>
@@ -1829,7 +1830,7 @@
             </a:ln>
             <a:extLst>
               <a:ext uri="{91240B29-F687-4f45-9708-019B960494DF}">
-                <a14:hiddenLine xmlns="" xmlns:a14="http://schemas.microsoft.com/office/drawing/2010/main" w="9525">
+                <a14:hiddenLine xmlns:a14="http://schemas.microsoft.com/office/drawing/2010/main" xmlns="" w="9525">
                   <a:solidFill>
                     <a:srgbClr val="000000"/>
                   </a:solidFill>
@@ -1919,7 +1920,7 @@
             </a:ln>
             <a:extLst>
               <a:ext uri="{91240B29-F687-4f45-9708-019B960494DF}">
-                <a14:hiddenLine xmlns="" xmlns:a14="http://schemas.microsoft.com/office/drawing/2010/main" w="9525">
+                <a14:hiddenLine xmlns:a14="http://schemas.microsoft.com/office/drawing/2010/main" xmlns="" w="9525">
                   <a:solidFill>
                     <a:srgbClr val="000000"/>
                   </a:solidFill>
@@ -1981,7 +1982,7 @@
             </a:ln>
             <a:extLst>
               <a:ext uri="{91240B29-F687-4f45-9708-019B960494DF}">
-                <a14:hiddenLine xmlns="" xmlns:a14="http://schemas.microsoft.com/office/drawing/2010/main" w="9525">
+                <a14:hiddenLine xmlns:a14="http://schemas.microsoft.com/office/drawing/2010/main" xmlns="" w="9525">
                   <a:solidFill>
                     <a:srgbClr val="000000"/>
                   </a:solidFill>
@@ -2071,7 +2072,7 @@
             </a:ln>
             <a:extLst>
               <a:ext uri="{91240B29-F687-4f45-9708-019B960494DF}">
-                <a14:hiddenLine xmlns="" xmlns:a14="http://schemas.microsoft.com/office/drawing/2010/main" w="9525">
+                <a14:hiddenLine xmlns:a14="http://schemas.microsoft.com/office/drawing/2010/main" xmlns="" w="9525">
                   <a:solidFill>
                     <a:srgbClr val="000000"/>
                   </a:solidFill>
@@ -2161,7 +2162,7 @@
             </a:ln>
             <a:extLst>
               <a:ext uri="{91240B29-F687-4f45-9708-019B960494DF}">
-                <a14:hiddenLine xmlns="" xmlns:a14="http://schemas.microsoft.com/office/drawing/2010/main" w="9525">
+                <a14:hiddenLine xmlns:a14="http://schemas.microsoft.com/office/drawing/2010/main" xmlns="" w="9525">
                   <a:solidFill>
                     <a:srgbClr val="000000"/>
                   </a:solidFill>
@@ -2217,7 +2218,7 @@
             </a:ln>
             <a:extLst>
               <a:ext uri="{91240B29-F687-4f45-9708-019B960494DF}">
-                <a14:hiddenLine xmlns="" xmlns:a14="http://schemas.microsoft.com/office/drawing/2010/main" w="9525">
+                <a14:hiddenLine xmlns:a14="http://schemas.microsoft.com/office/drawing/2010/main" xmlns="" w="9525">
                   <a:solidFill>
                     <a:srgbClr val="000000"/>
                   </a:solidFill>
@@ -2307,7 +2308,7 @@
             </a:ln>
             <a:extLst>
               <a:ext uri="{91240B29-F687-4f45-9708-019B960494DF}">
-                <a14:hiddenLine xmlns="" xmlns:a14="http://schemas.microsoft.com/office/drawing/2010/main" w="9525">
+                <a14:hiddenLine xmlns:a14="http://schemas.microsoft.com/office/drawing/2010/main" xmlns="" w="9525">
                   <a:solidFill>
                     <a:srgbClr val="000000"/>
                   </a:solidFill>
@@ -2363,7 +2364,7 @@
             </a:ln>
             <a:extLst>
               <a:ext uri="{91240B29-F687-4f45-9708-019B960494DF}">
-                <a14:hiddenLine xmlns="" xmlns:a14="http://schemas.microsoft.com/office/drawing/2010/main" w="9525">
+                <a14:hiddenLine xmlns:a14="http://schemas.microsoft.com/office/drawing/2010/main" xmlns="" w="9525">
                   <a:solidFill>
                     <a:srgbClr val="000000"/>
                   </a:solidFill>
@@ -2453,7 +2454,7 @@
             </a:ln>
             <a:extLst>
               <a:ext uri="{91240B29-F687-4f45-9708-019B960494DF}">
-                <a14:hiddenLine xmlns="" xmlns:a14="http://schemas.microsoft.com/office/drawing/2010/main" w="9525">
+                <a14:hiddenLine xmlns:a14="http://schemas.microsoft.com/office/drawing/2010/main" xmlns="" w="9525">
                   <a:solidFill>
                     <a:srgbClr val="000000"/>
                   </a:solidFill>
@@ -2521,7 +2522,7 @@
             </a:ln>
             <a:extLst>
               <a:ext uri="{91240B29-F687-4f45-9708-019B960494DF}">
-                <a14:hiddenLine xmlns="" xmlns:a14="http://schemas.microsoft.com/office/drawing/2010/main" w="9525">
+                <a14:hiddenLine xmlns:a14="http://schemas.microsoft.com/office/drawing/2010/main" xmlns="" w="9525">
                   <a:solidFill>
                     <a:srgbClr val="000000"/>
                   </a:solidFill>
@@ -2611,7 +2612,7 @@
             </a:ln>
             <a:extLst>
               <a:ext uri="{91240B29-F687-4f45-9708-019B960494DF}">
-                <a14:hiddenLine xmlns="" xmlns:a14="http://schemas.microsoft.com/office/drawing/2010/main" w="9525">
+                <a14:hiddenLine xmlns:a14="http://schemas.microsoft.com/office/drawing/2010/main" xmlns="" w="9525">
                   <a:solidFill>
                     <a:srgbClr val="000000"/>
                   </a:solidFill>
@@ -2679,7 +2680,7 @@
             </a:ln>
             <a:extLst>
               <a:ext uri="{91240B29-F687-4f45-9708-019B960494DF}">
-                <a14:hiddenLine xmlns="" xmlns:a14="http://schemas.microsoft.com/office/drawing/2010/main" w="9525">
+                <a14:hiddenLine xmlns:a14="http://schemas.microsoft.com/office/drawing/2010/main" xmlns="" w="9525">
                   <a:solidFill>
                     <a:srgbClr val="000000"/>
                   </a:solidFill>
@@ -2769,7 +2770,7 @@
             </a:ln>
             <a:extLst>
               <a:ext uri="{91240B29-F687-4f45-9708-019B960494DF}">
-                <a14:hiddenLine xmlns="" xmlns:a14="http://schemas.microsoft.com/office/drawing/2010/main" w="9525">
+                <a14:hiddenLine xmlns:a14="http://schemas.microsoft.com/office/drawing/2010/main" xmlns="" w="9525">
                   <a:solidFill>
                     <a:srgbClr val="000000"/>
                   </a:solidFill>
@@ -2803,7 +2804,7 @@
             </a:ln>
             <a:extLst>
               <a:ext uri="{91240B29-F687-4f45-9708-019B960494DF}">
-                <a14:hiddenLine xmlns="" xmlns:a14="http://schemas.microsoft.com/office/drawing/2010/main" w="9525">
+                <a14:hiddenLine xmlns:a14="http://schemas.microsoft.com/office/drawing/2010/main" xmlns="" w="9525">
                   <a:solidFill>
                     <a:srgbClr val="000000"/>
                   </a:solidFill>
@@ -2893,7 +2894,7 @@
             </a:ln>
             <a:extLst>
               <a:ext uri="{91240B29-F687-4f45-9708-019B960494DF}">
-                <a14:hiddenLine xmlns="" xmlns:a14="http://schemas.microsoft.com/office/drawing/2010/main" w="9525">
+                <a14:hiddenLine xmlns:a14="http://schemas.microsoft.com/office/drawing/2010/main" xmlns="" w="9525">
                   <a:solidFill>
                     <a:srgbClr val="000000"/>
                   </a:solidFill>
@@ -2955,7 +2956,7 @@
             </a:ln>
             <a:extLst>
               <a:ext uri="{91240B29-F687-4f45-9708-019B960494DF}">
-                <a14:hiddenLine xmlns="" xmlns:a14="http://schemas.microsoft.com/office/drawing/2010/main" w="9525">
+                <a14:hiddenLine xmlns:a14="http://schemas.microsoft.com/office/drawing/2010/main" xmlns="" w="9525">
                   <a:solidFill>
                     <a:srgbClr val="000000"/>
                   </a:solidFill>
@@ -3017,7 +3018,7 @@
             </a:ln>
             <a:extLst>
               <a:ext uri="{91240B29-F687-4f45-9708-019B960494DF}">
-                <a14:hiddenLine xmlns="" xmlns:a14="http://schemas.microsoft.com/office/drawing/2010/main" w="9525">
+                <a14:hiddenLine xmlns:a14="http://schemas.microsoft.com/office/drawing/2010/main" xmlns="" w="9525">
                   <a:solidFill>
                     <a:srgbClr val="000000"/>
                   </a:solidFill>
@@ -3107,7 +3108,7 @@
             </a:ln>
             <a:extLst>
               <a:ext uri="{91240B29-F687-4f45-9708-019B960494DF}">
-                <a14:hiddenLine xmlns="" xmlns:a14="http://schemas.microsoft.com/office/drawing/2010/main" w="9525">
+                <a14:hiddenLine xmlns:a14="http://schemas.microsoft.com/office/drawing/2010/main" xmlns="" w="9525">
                   <a:solidFill>
                     <a:srgbClr val="000000"/>
                   </a:solidFill>
@@ -3175,7 +3176,7 @@
             </a:ln>
             <a:extLst>
               <a:ext uri="{91240B29-F687-4f45-9708-019B960494DF}">
-                <a14:hiddenLine xmlns="" xmlns:a14="http://schemas.microsoft.com/office/drawing/2010/main" w="9525">
+                <a14:hiddenLine xmlns:a14="http://schemas.microsoft.com/office/drawing/2010/main" xmlns="" w="9525">
                   <a:solidFill>
                     <a:srgbClr val="000000"/>
                   </a:solidFill>
@@ -3237,7 +3238,7 @@
             </a:ln>
             <a:extLst>
               <a:ext uri="{91240B29-F687-4f45-9708-019B960494DF}">
-                <a14:hiddenLine xmlns="" xmlns:a14="http://schemas.microsoft.com/office/drawing/2010/main" w="9525">
+                <a14:hiddenLine xmlns:a14="http://schemas.microsoft.com/office/drawing/2010/main" xmlns="" w="9525">
                   <a:solidFill>
                     <a:srgbClr val="000000"/>
                   </a:solidFill>
@@ -3327,7 +3328,7 @@
             </a:ln>
             <a:extLst>
               <a:ext uri="{91240B29-F687-4f45-9708-019B960494DF}">
-                <a14:hiddenLine xmlns="" xmlns:a14="http://schemas.microsoft.com/office/drawing/2010/main" w="9525">
+                <a14:hiddenLine xmlns:a14="http://schemas.microsoft.com/office/drawing/2010/main" xmlns="" w="9525">
                   <a:solidFill>
                     <a:srgbClr val="000000"/>
                   </a:solidFill>
@@ -3389,7 +3390,7 @@
             </a:ln>
             <a:extLst>
               <a:ext uri="{91240B29-F687-4f45-9708-019B960494DF}">
-                <a14:hiddenLine xmlns="" xmlns:a14="http://schemas.microsoft.com/office/drawing/2010/main" w="9525">
+                <a14:hiddenLine xmlns:a14="http://schemas.microsoft.com/office/drawing/2010/main" xmlns="" w="9525">
                   <a:solidFill>
                     <a:srgbClr val="000000"/>
                   </a:solidFill>
@@ -3479,7 +3480,7 @@
             </a:ln>
             <a:extLst>
               <a:ext uri="{91240B29-F687-4f45-9708-019B960494DF}">
-                <a14:hiddenLine xmlns="" xmlns:a14="http://schemas.microsoft.com/office/drawing/2010/main" w="9525">
+                <a14:hiddenLine xmlns:a14="http://schemas.microsoft.com/office/drawing/2010/main" xmlns="" w="9525">
                   <a:solidFill>
                     <a:srgbClr val="000000"/>
                   </a:solidFill>
@@ -3541,7 +3542,7 @@
             </a:ln>
             <a:extLst>
               <a:ext uri="{91240B29-F687-4f45-9708-019B960494DF}">
-                <a14:hiddenLine xmlns="" xmlns:a14="http://schemas.microsoft.com/office/drawing/2010/main" w="9525">
+                <a14:hiddenLine xmlns:a14="http://schemas.microsoft.com/office/drawing/2010/main" xmlns="" w="9525">
                   <a:solidFill>
                     <a:srgbClr val="000000"/>
                   </a:solidFill>
@@ -3631,7 +3632,7 @@
             </a:ln>
             <a:extLst>
               <a:ext uri="{91240B29-F687-4f45-9708-019B960494DF}">
-                <a14:hiddenLine xmlns="" xmlns:a14="http://schemas.microsoft.com/office/drawing/2010/main" w="9525">
+                <a14:hiddenLine xmlns:a14="http://schemas.microsoft.com/office/drawing/2010/main" xmlns="" w="9525">
                   <a:solidFill>
                     <a:srgbClr val="000000"/>
                   </a:solidFill>
@@ -3665,7 +3666,7 @@
             </a:ln>
             <a:extLst>
               <a:ext uri="{91240B29-F687-4f45-9708-019B960494DF}">
-                <a14:hiddenLine xmlns="" xmlns:a14="http://schemas.microsoft.com/office/drawing/2010/main" w="9525">
+                <a14:hiddenLine xmlns:a14="http://schemas.microsoft.com/office/drawing/2010/main" xmlns="" w="9525">
                   <a:solidFill>
                     <a:srgbClr val="000000"/>
                   </a:solidFill>
@@ -3730,7 +3731,7 @@
             </a:ln>
             <a:extLst>
               <a:ext uri="{91240B29-F687-4f45-9708-019B960494DF}">
-                <a14:hiddenLine xmlns="" xmlns:a14="http://schemas.microsoft.com/office/drawing/2010/main" w="9525">
+                <a14:hiddenLine xmlns:a14="http://schemas.microsoft.com/office/drawing/2010/main" xmlns="" w="9525">
                   <a:solidFill>
                     <a:srgbClr val="000000"/>
                   </a:solidFill>
@@ -3820,7 +3821,7 @@
             </a:ln>
             <a:extLst>
               <a:ext uri="{91240B29-F687-4f45-9708-019B960494DF}">
-                <a14:hiddenLine xmlns="" xmlns:a14="http://schemas.microsoft.com/office/drawing/2010/main" w="9525">
+                <a14:hiddenLine xmlns:a14="http://schemas.microsoft.com/office/drawing/2010/main" xmlns="" w="9525">
                   <a:solidFill>
                     <a:srgbClr val="000000"/>
                   </a:solidFill>
@@ -3882,7 +3883,7 @@
             </a:ln>
             <a:extLst>
               <a:ext uri="{91240B29-F687-4f45-9708-019B960494DF}">
-                <a14:hiddenLine xmlns="" xmlns:a14="http://schemas.microsoft.com/office/drawing/2010/main" w="9525">
+                <a14:hiddenLine xmlns:a14="http://schemas.microsoft.com/office/drawing/2010/main" xmlns="" w="9525">
                   <a:solidFill>
                     <a:srgbClr val="000000"/>
                   </a:solidFill>
@@ -3972,7 +3973,7 @@
             </a:ln>
             <a:extLst>
               <a:ext uri="{91240B29-F687-4f45-9708-019B960494DF}">
-                <a14:hiddenLine xmlns="" xmlns:a14="http://schemas.microsoft.com/office/drawing/2010/main" w="9525">
+                <a14:hiddenLine xmlns:a14="http://schemas.microsoft.com/office/drawing/2010/main" xmlns="" w="9525">
                   <a:solidFill>
                     <a:srgbClr val="000000"/>
                   </a:solidFill>
@@ -4062,7 +4063,7 @@
             </a:ln>
             <a:extLst>
               <a:ext uri="{91240B29-F687-4f45-9708-019B960494DF}">
-                <a14:hiddenLine xmlns="" xmlns:a14="http://schemas.microsoft.com/office/drawing/2010/main" w="9525">
+                <a14:hiddenLine xmlns:a14="http://schemas.microsoft.com/office/drawing/2010/main" xmlns="" w="9525">
                   <a:solidFill>
                     <a:srgbClr val="000000"/>
                   </a:solidFill>
@@ -4127,7 +4128,7 @@
             </a:ln>
             <a:extLst>
               <a:ext uri="{91240B29-F687-4f45-9708-019B960494DF}">
-                <a14:hiddenLine xmlns="" xmlns:a14="http://schemas.microsoft.com/office/drawing/2010/main" w="9525">
+                <a14:hiddenLine xmlns:a14="http://schemas.microsoft.com/office/drawing/2010/main" xmlns="" w="9525">
                   <a:solidFill>
                     <a:srgbClr val="000000"/>
                   </a:solidFill>
@@ -4189,7 +4190,7 @@
             </a:ln>
             <a:extLst>
               <a:ext uri="{91240B29-F687-4f45-9708-019B960494DF}">
-                <a14:hiddenLine xmlns="" xmlns:a14="http://schemas.microsoft.com/office/drawing/2010/main" w="9525">
+                <a14:hiddenLine xmlns:a14="http://schemas.microsoft.com/office/drawing/2010/main" xmlns="" w="9525">
                   <a:solidFill>
                     <a:srgbClr val="000000"/>
                   </a:solidFill>
@@ -4279,7 +4280,7 @@
             </a:ln>
             <a:extLst>
               <a:ext uri="{91240B29-F687-4f45-9708-019B960494DF}">
-                <a14:hiddenLine xmlns="" xmlns:a14="http://schemas.microsoft.com/office/drawing/2010/main" w="9525">
+                <a14:hiddenLine xmlns:a14="http://schemas.microsoft.com/office/drawing/2010/main" xmlns="" w="9525">
                   <a:solidFill>
                     <a:srgbClr val="000000"/>
                   </a:solidFill>
@@ -4369,7 +4370,7 @@
             </a:ln>
             <a:extLst>
               <a:ext uri="{91240B29-F687-4f45-9708-019B960494DF}">
-                <a14:hiddenLine xmlns="" xmlns:a14="http://schemas.microsoft.com/office/drawing/2010/main" w="9525">
+                <a14:hiddenLine xmlns:a14="http://schemas.microsoft.com/office/drawing/2010/main" xmlns="" w="9525">
                   <a:solidFill>
                     <a:srgbClr val="000000"/>
                   </a:solidFill>
@@ -4431,7 +4432,7 @@
             </a:ln>
             <a:extLst>
               <a:ext uri="{91240B29-F687-4f45-9708-019B960494DF}">
-                <a14:hiddenLine xmlns="" xmlns:a14="http://schemas.microsoft.com/office/drawing/2010/main" w="9525">
+                <a14:hiddenLine xmlns:a14="http://schemas.microsoft.com/office/drawing/2010/main" xmlns="" w="9525">
                   <a:solidFill>
                     <a:srgbClr val="000000"/>
                   </a:solidFill>
@@ -4551,7 +4552,7 @@
             </a:ln>
             <a:extLst>
               <a:ext uri="{91240B29-F687-4f45-9708-019B960494DF}">
-                <a14:hiddenLine xmlns="" xmlns:a14="http://schemas.microsoft.com/office/drawing/2010/main" w="9525">
+                <a14:hiddenLine xmlns:a14="http://schemas.microsoft.com/office/drawing/2010/main" xmlns="" w="9525">
                   <a:solidFill>
                     <a:srgbClr val="000000"/>
                   </a:solidFill>
@@ -4619,7 +4620,7 @@
             </a:ln>
             <a:extLst>
               <a:ext uri="{91240B29-F687-4f45-9708-019B960494DF}">
-                <a14:hiddenLine xmlns="" xmlns:a14="http://schemas.microsoft.com/office/drawing/2010/main" w="9525">
+                <a14:hiddenLine xmlns:a14="http://schemas.microsoft.com/office/drawing/2010/main" xmlns="" w="9525">
                   <a:solidFill>
                     <a:srgbClr val="000000"/>
                   </a:solidFill>
@@ -4709,7 +4710,7 @@
             </a:ln>
             <a:extLst>
               <a:ext uri="{91240B29-F687-4f45-9708-019B960494DF}">
-                <a14:hiddenLine xmlns="" xmlns:a14="http://schemas.microsoft.com/office/drawing/2010/main" w="9525">
+                <a14:hiddenLine xmlns:a14="http://schemas.microsoft.com/office/drawing/2010/main" xmlns="" w="9525">
                   <a:solidFill>
                     <a:srgbClr val="000000"/>
                   </a:solidFill>
@@ -9523,7 +9524,7 @@
           <a:noFill/>
           <a:extLst>
             <a:ext uri="{909E8E84-426E-40dd-AFC4-6F175D3DCCD1}">
-              <a14:hiddenFill xmlns="" xmlns:a14="http://schemas.microsoft.com/office/drawing/2010/main">
+              <a14:hiddenFill xmlns:a14="http://schemas.microsoft.com/office/drawing/2010/main" xmlns="">
                 <a:solidFill>
                   <a:srgbClr val="FFFFFF"/>
                 </a:solidFill>
@@ -9597,7 +9598,7 @@
               </a:ln>
               <a:extLst>
                 <a:ext uri="{91240B29-F687-4f45-9708-019B960494DF}">
-                  <a14:hiddenLine xmlns="" xmlns:a14="http://schemas.microsoft.com/office/drawing/2010/main" w="9525">
+                  <a14:hiddenLine xmlns:a14="http://schemas.microsoft.com/office/drawing/2010/main" xmlns="" w="9525">
                     <a:solidFill>
                       <a:srgbClr val="000000"/>
                     </a:solidFill>
@@ -9687,7 +9688,7 @@
               </a:ln>
               <a:extLst>
                 <a:ext uri="{91240B29-F687-4f45-9708-019B960494DF}">
-                  <a14:hiddenLine xmlns="" xmlns:a14="http://schemas.microsoft.com/office/drawing/2010/main" w="9525">
+                  <a14:hiddenLine xmlns:a14="http://schemas.microsoft.com/office/drawing/2010/main" xmlns="" w="9525">
                     <a:solidFill>
                       <a:srgbClr val="000000"/>
                     </a:solidFill>
@@ -9777,7 +9778,7 @@
               </a:ln>
               <a:extLst>
                 <a:ext uri="{91240B29-F687-4f45-9708-019B960494DF}">
-                  <a14:hiddenLine xmlns="" xmlns:a14="http://schemas.microsoft.com/office/drawing/2010/main" w="9525">
+                  <a14:hiddenLine xmlns:a14="http://schemas.microsoft.com/office/drawing/2010/main" xmlns="" w="9525">
                     <a:solidFill>
                       <a:srgbClr val="000000"/>
                     </a:solidFill>
@@ -9839,7 +9840,7 @@
               </a:ln>
               <a:extLst>
                 <a:ext uri="{91240B29-F687-4f45-9708-019B960494DF}">
-                  <a14:hiddenLine xmlns="" xmlns:a14="http://schemas.microsoft.com/office/drawing/2010/main" w="9525">
+                  <a14:hiddenLine xmlns:a14="http://schemas.microsoft.com/office/drawing/2010/main" xmlns="" w="9525">
                     <a:solidFill>
                       <a:srgbClr val="000000"/>
                     </a:solidFill>
@@ -9929,7 +9930,7 @@
               </a:ln>
               <a:extLst>
                 <a:ext uri="{91240B29-F687-4f45-9708-019B960494DF}">
-                  <a14:hiddenLine xmlns="" xmlns:a14="http://schemas.microsoft.com/office/drawing/2010/main" w="9525">
+                  <a14:hiddenLine xmlns:a14="http://schemas.microsoft.com/office/drawing/2010/main" xmlns="" w="9525">
                     <a:solidFill>
                       <a:srgbClr val="000000"/>
                     </a:solidFill>
@@ -9991,7 +9992,7 @@
               </a:ln>
               <a:extLst>
                 <a:ext uri="{91240B29-F687-4f45-9708-019B960494DF}">
-                  <a14:hiddenLine xmlns="" xmlns:a14="http://schemas.microsoft.com/office/drawing/2010/main" w="9525">
+                  <a14:hiddenLine xmlns:a14="http://schemas.microsoft.com/office/drawing/2010/main" xmlns="" w="9525">
                     <a:solidFill>
                       <a:srgbClr val="000000"/>
                     </a:solidFill>
@@ -10053,7 +10054,7 @@
               </a:ln>
               <a:extLst>
                 <a:ext uri="{91240B29-F687-4f45-9708-019B960494DF}">
-                  <a14:hiddenLine xmlns="" xmlns:a14="http://schemas.microsoft.com/office/drawing/2010/main" w="9525">
+                  <a14:hiddenLine xmlns:a14="http://schemas.microsoft.com/office/drawing/2010/main" xmlns="" w="9525">
                     <a:solidFill>
                       <a:srgbClr val="000000"/>
                     </a:solidFill>
@@ -10143,7 +10144,7 @@
               </a:ln>
               <a:extLst>
                 <a:ext uri="{91240B29-F687-4f45-9708-019B960494DF}">
-                  <a14:hiddenLine xmlns="" xmlns:a14="http://schemas.microsoft.com/office/drawing/2010/main" w="9525">
+                  <a14:hiddenLine xmlns:a14="http://schemas.microsoft.com/office/drawing/2010/main" xmlns="" w="9525">
                     <a:solidFill>
                       <a:srgbClr val="000000"/>
                     </a:solidFill>
@@ -10233,7 +10234,7 @@
               </a:ln>
               <a:extLst>
                 <a:ext uri="{91240B29-F687-4f45-9708-019B960494DF}">
-                  <a14:hiddenLine xmlns="" xmlns:a14="http://schemas.microsoft.com/office/drawing/2010/main" w="9525">
+                  <a14:hiddenLine xmlns:a14="http://schemas.microsoft.com/office/drawing/2010/main" xmlns="" w="9525">
                     <a:solidFill>
                       <a:srgbClr val="000000"/>
                     </a:solidFill>
@@ -10295,7 +10296,7 @@
               </a:ln>
               <a:extLst>
                 <a:ext uri="{91240B29-F687-4f45-9708-019B960494DF}">
-                  <a14:hiddenLine xmlns="" xmlns:a14="http://schemas.microsoft.com/office/drawing/2010/main" w="9525">
+                  <a14:hiddenLine xmlns:a14="http://schemas.microsoft.com/office/drawing/2010/main" xmlns="" w="9525">
                     <a:solidFill>
                       <a:srgbClr val="000000"/>
                     </a:solidFill>
@@ -10405,7 +10406,7 @@
               </a:ln>
               <a:extLst>
                 <a:ext uri="{91240B29-F687-4f45-9708-019B960494DF}">
-                  <a14:hiddenLine xmlns="" xmlns:a14="http://schemas.microsoft.com/office/drawing/2010/main" w="9525">
+                  <a14:hiddenLine xmlns:a14="http://schemas.microsoft.com/office/drawing/2010/main" xmlns="" w="9525">
                     <a:solidFill>
                       <a:srgbClr val="000000"/>
                     </a:solidFill>
@@ -10489,7 +10490,7 @@
               </a:ln>
               <a:extLst>
                 <a:ext uri="{91240B29-F687-4f45-9708-019B960494DF}">
-                  <a14:hiddenLine xmlns="" xmlns:a14="http://schemas.microsoft.com/office/drawing/2010/main" w="9525">
+                  <a14:hiddenLine xmlns:a14="http://schemas.microsoft.com/office/drawing/2010/main" xmlns="" w="9525">
                     <a:solidFill>
                       <a:srgbClr val="000000"/>
                     </a:solidFill>
@@ -10551,7 +10552,7 @@
               </a:ln>
               <a:extLst>
                 <a:ext uri="{91240B29-F687-4f45-9708-019B960494DF}">
-                  <a14:hiddenLine xmlns="" xmlns:a14="http://schemas.microsoft.com/office/drawing/2010/main" w="9525">
+                  <a14:hiddenLine xmlns:a14="http://schemas.microsoft.com/office/drawing/2010/main" xmlns="" w="9525">
                     <a:solidFill>
                       <a:srgbClr val="000000"/>
                     </a:solidFill>
@@ -10613,7 +10614,7 @@
               </a:ln>
               <a:extLst>
                 <a:ext uri="{91240B29-F687-4f45-9708-019B960494DF}">
-                  <a14:hiddenLine xmlns="" xmlns:a14="http://schemas.microsoft.com/office/drawing/2010/main" w="9525">
+                  <a14:hiddenLine xmlns:a14="http://schemas.microsoft.com/office/drawing/2010/main" xmlns="" w="9525">
                     <a:solidFill>
                       <a:srgbClr val="000000"/>
                     </a:solidFill>
@@ -10703,7 +10704,7 @@
               </a:ln>
               <a:extLst>
                 <a:ext uri="{91240B29-F687-4f45-9708-019B960494DF}">
-                  <a14:hiddenLine xmlns="" xmlns:a14="http://schemas.microsoft.com/office/drawing/2010/main" w="9525">
+                  <a14:hiddenLine xmlns:a14="http://schemas.microsoft.com/office/drawing/2010/main" xmlns="" w="9525">
                     <a:solidFill>
                       <a:srgbClr val="000000"/>
                     </a:solidFill>
@@ -10737,7 +10738,7 @@
               </a:ln>
               <a:extLst>
                 <a:ext uri="{91240B29-F687-4f45-9708-019B960494DF}">
-                  <a14:hiddenLine xmlns="" xmlns:a14="http://schemas.microsoft.com/office/drawing/2010/main" w="9525">
+                  <a14:hiddenLine xmlns:a14="http://schemas.microsoft.com/office/drawing/2010/main" xmlns="" w="9525">
                     <a:solidFill>
                       <a:srgbClr val="000000"/>
                     </a:solidFill>
@@ -10802,7 +10803,7 @@
               </a:ln>
               <a:extLst>
                 <a:ext uri="{91240B29-F687-4f45-9708-019B960494DF}">
-                  <a14:hiddenLine xmlns="" xmlns:a14="http://schemas.microsoft.com/office/drawing/2010/main" w="9525">
+                  <a14:hiddenLine xmlns:a14="http://schemas.microsoft.com/office/drawing/2010/main" xmlns="" w="9525">
                     <a:solidFill>
                       <a:srgbClr val="000000"/>
                     </a:solidFill>
@@ -10892,7 +10893,7 @@
               </a:ln>
               <a:extLst>
                 <a:ext uri="{91240B29-F687-4f45-9708-019B960494DF}">
-                  <a14:hiddenLine xmlns="" xmlns:a14="http://schemas.microsoft.com/office/drawing/2010/main" w="9525">
+                  <a14:hiddenLine xmlns:a14="http://schemas.microsoft.com/office/drawing/2010/main" xmlns="" w="9525">
                     <a:solidFill>
                       <a:srgbClr val="000000"/>
                     </a:solidFill>
@@ -10954,7 +10955,7 @@
               </a:ln>
               <a:extLst>
                 <a:ext uri="{91240B29-F687-4f45-9708-019B960494DF}">
-                  <a14:hiddenLine xmlns="" xmlns:a14="http://schemas.microsoft.com/office/drawing/2010/main" w="9525">
+                  <a14:hiddenLine xmlns:a14="http://schemas.microsoft.com/office/drawing/2010/main" xmlns="" w="9525">
                     <a:solidFill>
                       <a:srgbClr val="000000"/>
                     </a:solidFill>
@@ -11044,7 +11045,7 @@
               </a:ln>
               <a:extLst>
                 <a:ext uri="{91240B29-F687-4f45-9708-019B960494DF}">
-                  <a14:hiddenLine xmlns="" xmlns:a14="http://schemas.microsoft.com/office/drawing/2010/main" w="9525">
+                  <a14:hiddenLine xmlns:a14="http://schemas.microsoft.com/office/drawing/2010/main" xmlns="" w="9525">
                     <a:solidFill>
                       <a:srgbClr val="000000"/>
                     </a:solidFill>
@@ -11109,7 +11110,7 @@
               </a:ln>
               <a:extLst>
                 <a:ext uri="{91240B29-F687-4f45-9708-019B960494DF}">
-                  <a14:hiddenLine xmlns="" xmlns:a14="http://schemas.microsoft.com/office/drawing/2010/main" w="9525">
+                  <a14:hiddenLine xmlns:a14="http://schemas.microsoft.com/office/drawing/2010/main" xmlns="" w="9525">
                     <a:solidFill>
                       <a:srgbClr val="000000"/>
                     </a:solidFill>
@@ -11171,7 +11172,7 @@
               </a:ln>
               <a:extLst>
                 <a:ext uri="{91240B29-F687-4f45-9708-019B960494DF}">
-                  <a14:hiddenLine xmlns="" xmlns:a14="http://schemas.microsoft.com/office/drawing/2010/main" w="9525">
+                  <a14:hiddenLine xmlns:a14="http://schemas.microsoft.com/office/drawing/2010/main" xmlns="" w="9525">
                     <a:solidFill>
                       <a:srgbClr val="000000"/>
                     </a:solidFill>
@@ -11261,7 +11262,7 @@
               </a:ln>
               <a:extLst>
                 <a:ext uri="{91240B29-F687-4f45-9708-019B960494DF}">
-                  <a14:hiddenLine xmlns="" xmlns:a14="http://schemas.microsoft.com/office/drawing/2010/main" w="9525">
+                  <a14:hiddenLine xmlns:a14="http://schemas.microsoft.com/office/drawing/2010/main" xmlns="" w="9525">
                     <a:solidFill>
                       <a:srgbClr val="000000"/>
                     </a:solidFill>
@@ -11351,7 +11352,7 @@
               </a:ln>
               <a:extLst>
                 <a:ext uri="{91240B29-F687-4f45-9708-019B960494DF}">
-                  <a14:hiddenLine xmlns="" xmlns:a14="http://schemas.microsoft.com/office/drawing/2010/main" w="9525">
+                  <a14:hiddenLine xmlns:a14="http://schemas.microsoft.com/office/drawing/2010/main" xmlns="" w="9525">
                     <a:solidFill>
                       <a:srgbClr val="000000"/>
                     </a:solidFill>
@@ -11416,7 +11417,7 @@
               </a:ln>
               <a:extLst>
                 <a:ext uri="{91240B29-F687-4f45-9708-019B960494DF}">
-                  <a14:hiddenLine xmlns="" xmlns:a14="http://schemas.microsoft.com/office/drawing/2010/main" w="9525">
+                  <a14:hiddenLine xmlns:a14="http://schemas.microsoft.com/office/drawing/2010/main" xmlns="" w="9525">
                     <a:solidFill>
                       <a:srgbClr val="000000"/>
                     </a:solidFill>
@@ -11536,7 +11537,7 @@
               </a:ln>
               <a:extLst>
                 <a:ext uri="{91240B29-F687-4f45-9708-019B960494DF}">
-                  <a14:hiddenLine xmlns="" xmlns:a14="http://schemas.microsoft.com/office/drawing/2010/main" w="9525">
+                  <a14:hiddenLine xmlns:a14="http://schemas.microsoft.com/office/drawing/2010/main" xmlns="" w="9525">
                     <a:solidFill>
                       <a:srgbClr val="000000"/>
                     </a:solidFill>
@@ -11617,7 +11618,7 @@
               </a:ln>
               <a:extLst>
                 <a:ext uri="{91240B29-F687-4f45-9708-019B960494DF}">
-                  <a14:hiddenLine xmlns="" xmlns:a14="http://schemas.microsoft.com/office/drawing/2010/main" w="9525">
+                  <a14:hiddenLine xmlns:a14="http://schemas.microsoft.com/office/drawing/2010/main" xmlns="" w="9525">
                     <a:solidFill>
                       <a:srgbClr val="000000"/>
                     </a:solidFill>
@@ -11732,7 +11733,7 @@
               </a:ln>
               <a:extLst>
                 <a:ext uri="{91240B29-F687-4f45-9708-019B960494DF}">
-                  <a14:hiddenLine xmlns="" xmlns:a14="http://schemas.microsoft.com/office/drawing/2010/main" w="9525">
+                  <a14:hiddenLine xmlns:a14="http://schemas.microsoft.com/office/drawing/2010/main" xmlns="" w="9525">
                     <a:solidFill>
                       <a:srgbClr val="000000"/>
                     </a:solidFill>
@@ -11822,7 +11823,7 @@
               </a:ln>
               <a:extLst>
                 <a:ext uri="{91240B29-F687-4f45-9708-019B960494DF}">
-                  <a14:hiddenLine xmlns="" xmlns:a14="http://schemas.microsoft.com/office/drawing/2010/main" w="9525">
+                  <a14:hiddenLine xmlns:a14="http://schemas.microsoft.com/office/drawing/2010/main" xmlns="" w="9525">
                     <a:solidFill>
                       <a:srgbClr val="000000"/>
                     </a:solidFill>
@@ -11887,7 +11888,7 @@
               </a:ln>
               <a:extLst>
                 <a:ext uri="{91240B29-F687-4f45-9708-019B960494DF}">
-                  <a14:hiddenLine xmlns="" xmlns:a14="http://schemas.microsoft.com/office/drawing/2010/main" w="9525">
+                  <a14:hiddenLine xmlns:a14="http://schemas.microsoft.com/office/drawing/2010/main" xmlns="" w="9525">
                     <a:solidFill>
                       <a:srgbClr val="000000"/>
                     </a:solidFill>
@@ -11977,7 +11978,7 @@
               </a:ln>
               <a:extLst>
                 <a:ext uri="{91240B29-F687-4f45-9708-019B960494DF}">
-                  <a14:hiddenLine xmlns="" xmlns:a14="http://schemas.microsoft.com/office/drawing/2010/main" w="9525">
+                  <a14:hiddenLine xmlns:a14="http://schemas.microsoft.com/office/drawing/2010/main" xmlns="" w="9525">
                     <a:solidFill>
                       <a:srgbClr val="000000"/>
                     </a:solidFill>
@@ -12045,7 +12046,7 @@
               </a:ln>
               <a:extLst>
                 <a:ext uri="{91240B29-F687-4f45-9708-019B960494DF}">
-                  <a14:hiddenLine xmlns="" xmlns:a14="http://schemas.microsoft.com/office/drawing/2010/main" w="9525">
+                  <a14:hiddenLine xmlns:a14="http://schemas.microsoft.com/office/drawing/2010/main" xmlns="" w="9525">
                     <a:solidFill>
                       <a:srgbClr val="000000"/>
                     </a:solidFill>
@@ -12135,7 +12136,7 @@
               </a:ln>
               <a:extLst>
                 <a:ext uri="{91240B29-F687-4f45-9708-019B960494DF}">
-                  <a14:hiddenLine xmlns="" xmlns:a14="http://schemas.microsoft.com/office/drawing/2010/main" w="9525">
+                  <a14:hiddenLine xmlns:a14="http://schemas.microsoft.com/office/drawing/2010/main" xmlns="" w="9525">
                     <a:solidFill>
                       <a:srgbClr val="000000"/>
                     </a:solidFill>
@@ -12203,7 +12204,7 @@
               </a:ln>
               <a:extLst>
                 <a:ext uri="{91240B29-F687-4f45-9708-019B960494DF}">
-                  <a14:hiddenLine xmlns="" xmlns:a14="http://schemas.microsoft.com/office/drawing/2010/main" w="9525">
+                  <a14:hiddenLine xmlns:a14="http://schemas.microsoft.com/office/drawing/2010/main" xmlns="" w="9525">
                     <a:solidFill>
                       <a:srgbClr val="000000"/>
                     </a:solidFill>
@@ -12293,7 +12294,7 @@
               </a:ln>
               <a:extLst>
                 <a:ext uri="{91240B29-F687-4f45-9708-019B960494DF}">
-                  <a14:hiddenLine xmlns="" xmlns:a14="http://schemas.microsoft.com/office/drawing/2010/main" w="9525">
+                  <a14:hiddenLine xmlns:a14="http://schemas.microsoft.com/office/drawing/2010/main" xmlns="" w="9525">
                     <a:solidFill>
                       <a:srgbClr val="000000"/>
                     </a:solidFill>
@@ -12327,7 +12328,7 @@
               </a:ln>
               <a:extLst>
                 <a:ext uri="{91240B29-F687-4f45-9708-019B960494DF}">
-                  <a14:hiddenLine xmlns="" xmlns:a14="http://schemas.microsoft.com/office/drawing/2010/main" w="9525">
+                  <a14:hiddenLine xmlns:a14="http://schemas.microsoft.com/office/drawing/2010/main" xmlns="" w="9525">
                     <a:solidFill>
                       <a:srgbClr val="000000"/>
                     </a:solidFill>
@@ -17216,7 +17217,7 @@
           <a:p>
             <a:r>
               <a:rPr lang="ru-RU" dirty="0"/>
-              <a:t>ИТОГ</a:t>
+              <a:t>Что делать?</a:t>
             </a:r>
           </a:p>
         </p:txBody>
@@ -17240,12 +17241,12 @@
         <p:spPr>
           <a:xfrm>
             <a:off x="1141414" y="1847274"/>
-            <a:ext cx="6700259" cy="4392208"/>
+            <a:ext cx="6972776" cy="4392208"/>
           </a:xfrm>
         </p:spPr>
         <p:txBody>
           <a:bodyPr>
-            <a:normAutofit/>
+            <a:normAutofit fontScale="92500" lnSpcReduction="20000"/>
           </a:bodyPr>
           <a:lstStyle/>
           <a:p>
@@ -17253,47 +17254,73 @@
               <a:buNone/>
             </a:pPr>
             <a:r>
-              <a:rPr lang="ru-RU" dirty="0"/>
-              <a:t>Концепцию </a:t>
-            </a:r>
-            <a:r>
-              <a:rPr lang="ru-RU" dirty="0">
-                <a:solidFill>
-                  <a:schemeClr val="accent5"/>
-                </a:solidFill>
-              </a:rPr>
-              <a:t>O </a:t>
-            </a:r>
-            <a:r>
-              <a:rPr lang="en-US" dirty="0">
-                <a:solidFill>
-                  <a:schemeClr val="accent5"/>
-                </a:solidFill>
-              </a:rPr>
-              <a:t>n</a:t>
-            </a:r>
-            <a:r>
-              <a:rPr lang="ru-RU" dirty="0">
-                <a:solidFill>
-                  <a:schemeClr val="accent5"/>
-                </a:solidFill>
-              </a:rPr>
-              <a:t> </a:t>
-            </a:r>
-            <a:r>
-              <a:rPr lang="ru-RU" dirty="0"/>
-              <a:t>необходимо понимать, чтобы уметь </a:t>
-            </a:r>
-            <a:r>
-              <a:rPr lang="ru-RU" dirty="0">
+              <a:rPr lang="ru-RU" sz="2000" dirty="0"/>
+              <a:t>В таких случаях нужно использовать </a:t>
+            </a:r>
+            <a:r>
+              <a:rPr lang="ru-RU" sz="2000" dirty="0">
+                <a:solidFill>
+                  <a:schemeClr val="accent2"/>
+                </a:solidFill>
+              </a:rPr>
+              <a:t>эвристический алгоритм</a:t>
+            </a:r>
+            <a:r>
+              <a:rPr lang="ru-RU" sz="2000" dirty="0"/>
+              <a:t>.</a:t>
+            </a:r>
+          </a:p>
+          <a:p>
+            <a:pPr marL="0" indent="0" algn="just">
+              <a:buNone/>
+            </a:pPr>
+            <a:r>
+              <a:rPr lang="ru-RU" sz="2000" dirty="0"/>
+              <a:t>Это алгоритм решения задачи, </a:t>
+            </a:r>
+            <a:r>
+              <a:rPr lang="ru-RU" sz="2000" dirty="0">
                 <a:solidFill>
                   <a:schemeClr val="accent1"/>
                 </a:solidFill>
               </a:rPr>
-              <a:t>видеть и исправлять неоптимальный код</a:t>
-            </a:r>
-            <a:r>
-              <a:rPr lang="ru-RU" dirty="0"/>
+              <a:t>включающий практический метод, не являющийся гарантированно точным или оптимальным</a:t>
+            </a:r>
+            <a:r>
+              <a:rPr lang="ru-RU" sz="2000" dirty="0"/>
+              <a:t>, но </a:t>
+            </a:r>
+            <a:r>
+              <a:rPr lang="ru-RU" sz="2000" dirty="0">
+                <a:solidFill>
+                  <a:schemeClr val="accent2"/>
+                </a:solidFill>
+              </a:rPr>
+              <a:t>достаточный</a:t>
+            </a:r>
+            <a:r>
+              <a:rPr lang="ru-RU" sz="2000" dirty="0"/>
+              <a:t> для решения поставленной задачи. </a:t>
+            </a:r>
+          </a:p>
+          <a:p>
+            <a:pPr marL="0" indent="0" algn="just">
+              <a:buNone/>
+            </a:pPr>
+            <a:r>
+              <a:rPr lang="ru-RU" sz="2000" dirty="0"/>
+              <a:t>Он позволяет ускорить решение задачи </a:t>
+            </a:r>
+            <a:r>
+              <a:rPr lang="ru-RU" sz="2000" dirty="0">
+                <a:solidFill>
+                  <a:schemeClr val="accent1"/>
+                </a:solidFill>
+              </a:rPr>
+              <a:t>в тех случаях, когда точное решение не может быть найдено</a:t>
+            </a:r>
+            <a:r>
+              <a:rPr lang="ru-RU" sz="2000" dirty="0"/>
               <a:t>.</a:t>
             </a:r>
           </a:p>
@@ -17302,131 +17329,39 @@
               <a:buNone/>
             </a:pPr>
             <a:r>
-              <a:rPr lang="ru-RU" dirty="0"/>
-              <a:t>Ни один серьёзный </a:t>
-            </a:r>
-            <a:r>
-              <a:rPr lang="ru-RU" dirty="0">
-                <a:solidFill>
-                  <a:schemeClr val="accent2"/>
-                </a:solidFill>
-              </a:rPr>
-              <a:t>проект</a:t>
-            </a:r>
-            <a:r>
-              <a:rPr lang="ru-RU" dirty="0"/>
-              <a:t>, как ни одно серьёзное </a:t>
-            </a:r>
-            <a:r>
-              <a:rPr lang="ru-RU" dirty="0">
-                <a:solidFill>
-                  <a:schemeClr val="accent2"/>
-                </a:solidFill>
-              </a:rPr>
-              <a:t>собеседование</a:t>
-            </a:r>
-            <a:r>
-              <a:rPr lang="ru-RU" dirty="0"/>
-              <a:t>, </a:t>
-            </a:r>
-            <a:r>
-              <a:rPr lang="ru-RU" dirty="0">
-                <a:solidFill>
-                  <a:schemeClr val="accent1"/>
-                </a:solidFill>
-              </a:rPr>
-              <a:t>не могут обойтись без вопросов о</a:t>
-            </a:r>
-            <a:r>
-              <a:rPr lang="ru-RU" dirty="0"/>
-              <a:t> </a:t>
-            </a:r>
-            <a:r>
-              <a:rPr lang="ru-RU" dirty="0">
-                <a:solidFill>
-                  <a:schemeClr val="accent5"/>
-                </a:solidFill>
-              </a:rPr>
-              <a:t>O</a:t>
-            </a:r>
-            <a:r>
-              <a:rPr lang="en-US" dirty="0">
-                <a:solidFill>
-                  <a:schemeClr val="accent5"/>
-                </a:solidFill>
-              </a:rPr>
-              <a:t> n</a:t>
-            </a:r>
-            <a:r>
-              <a:rPr lang="ru-RU" dirty="0"/>
-              <a:t>.</a:t>
-            </a:r>
-          </a:p>
-          <a:p>
-            <a:pPr marL="0" indent="0" algn="just">
-              <a:buNone/>
-            </a:pPr>
-            <a:r>
-              <a:rPr lang="ru-RU" dirty="0">
-                <a:solidFill>
-                  <a:schemeClr val="accent1"/>
-                </a:solidFill>
-              </a:rPr>
-              <a:t>Непонимание</a:t>
-            </a:r>
-            <a:r>
-              <a:rPr lang="ru-RU" dirty="0"/>
-              <a:t> </a:t>
-            </a:r>
-            <a:r>
-              <a:rPr lang="ru-RU" dirty="0">
-                <a:solidFill>
-                  <a:schemeClr val="accent5"/>
-                </a:solidFill>
-              </a:rPr>
-              <a:t>O</a:t>
-            </a:r>
-            <a:r>
-              <a:rPr lang="en-US" dirty="0">
-                <a:solidFill>
-                  <a:schemeClr val="accent5"/>
-                </a:solidFill>
-              </a:rPr>
-              <a:t> n</a:t>
-            </a:r>
-            <a:r>
-              <a:rPr lang="ru-RU" dirty="0">
-                <a:solidFill>
-                  <a:schemeClr val="accent5"/>
-                </a:solidFill>
-              </a:rPr>
-              <a:t> </a:t>
-            </a:r>
-            <a:r>
-              <a:rPr lang="ru-RU" dirty="0">
-                <a:solidFill>
-                  <a:schemeClr val="accent1"/>
-                </a:solidFill>
-              </a:rPr>
-              <a:t>ведёт к </a:t>
-            </a:r>
-            <a:r>
-              <a:rPr lang="ru-RU" dirty="0"/>
-              <a:t>серьёзной </a:t>
-            </a:r>
-            <a:r>
-              <a:rPr lang="ru-RU" dirty="0">
-                <a:solidFill>
-                  <a:schemeClr val="accent1"/>
-                </a:solidFill>
-              </a:rPr>
-              <a:t>потере производительности</a:t>
-            </a:r>
-            <a:r>
-              <a:rPr lang="ru-RU" dirty="0"/>
-              <a:t> ваших алгоритмов.</a:t>
-            </a:r>
-            <a:endParaRPr lang="en-US" dirty="0"/>
+              <a:rPr lang="ru-RU" sz="2000" dirty="0">
+                <a:solidFill>
+                  <a:schemeClr val="accent4"/>
+                </a:solidFill>
+              </a:rPr>
+              <a:t>Но, он</a:t>
+            </a:r>
+            <a:r>
+              <a:rPr lang="ru-RU" sz="2000" dirty="0"/>
+              <a:t>:</a:t>
+            </a:r>
+          </a:p>
+          <a:p>
+            <a:pPr algn="just"/>
+            <a:r>
+              <a:rPr lang="ru-RU" sz="2000" dirty="0"/>
+              <a:t>не гарантирует нахождение лучшего решения;</a:t>
+            </a:r>
+          </a:p>
+          <a:p>
+            <a:pPr algn="just"/>
+            <a:r>
+              <a:rPr lang="ru-RU" sz="2000" dirty="0"/>
+              <a:t>не гарантирует нахождение решения, даже если оно заведомо существует;</a:t>
+            </a:r>
+          </a:p>
+          <a:p>
+            <a:pPr algn="just"/>
+            <a:r>
+              <a:rPr lang="ru-RU" sz="2000" dirty="0"/>
+              <a:t>может дать неверное решение в некоторых случаях.</a:t>
+            </a:r>
+            <a:endParaRPr lang="en-US" sz="2000" dirty="0"/>
           </a:p>
         </p:txBody>
       </p:sp>
@@ -17435,7 +17370,7 @@
           <p:cNvPr id="5" name="Picture 4">
             <a:extLst>
               <a:ext uri="{FF2B5EF4-FFF2-40B4-BE49-F238E27FC236}">
-                <a16:creationId xmlns:a16="http://schemas.microsoft.com/office/drawing/2014/main" id="{6A133FCA-D873-491B-8CDB-B4E01801D70D}"/>
+                <a16:creationId xmlns:a16="http://schemas.microsoft.com/office/drawing/2014/main" id="{332B96A4-ABE3-47CB-8E8F-F4CABBD409A5}"/>
               </a:ext>
             </a:extLst>
           </p:cNvPr>
@@ -17458,8 +17393,8 @@
         </p:blipFill>
         <p:spPr>
           <a:xfrm>
-            <a:off x="8480546" y="3368884"/>
-            <a:ext cx="3118715" cy="3118715"/>
+            <a:off x="8785253" y="3572068"/>
+            <a:ext cx="2601185" cy="2601185"/>
           </a:xfrm>
           <a:prstGeom prst="rect">
             <a:avLst/>
@@ -17469,7 +17404,7 @@
     </p:spTree>
     <p:extLst>
       <p:ext uri="{BB962C8B-B14F-4D97-AF65-F5344CB8AC3E}">
-        <p14:creationId xmlns:p14="http://schemas.microsoft.com/office/powerpoint/2010/main" val="773207279"/>
+        <p14:creationId xmlns:p14="http://schemas.microsoft.com/office/powerpoint/2010/main" val="4020552530"/>
       </p:ext>
     </p:extLst>
   </p:cSld>
@@ -17536,7 +17471,7 @@
           <p:cNvPr id="2" name="Title 1">
             <a:extLst>
               <a:ext uri="{FF2B5EF4-FFF2-40B4-BE49-F238E27FC236}">
-                <a16:creationId xmlns:a16="http://schemas.microsoft.com/office/drawing/2014/main" id="{1FE24801-2B05-4155-9E23-F8D1DB8DFF8C}"/>
+                <a16:creationId xmlns:a16="http://schemas.microsoft.com/office/drawing/2014/main" id="{BDBA0D75-288E-4498-BEEE-F0BE2C70965D}"/>
               </a:ext>
             </a:extLst>
           </p:cNvPr>
@@ -17547,27 +17482,238 @@
             <p:ph type="title"/>
           </p:nvPr>
         </p:nvSpPr>
-        <p:spPr/>
+        <p:spPr>
+          <a:xfrm>
+            <a:off x="1141413" y="359149"/>
+            <a:ext cx="9905998" cy="1478570"/>
+          </a:xfrm>
+        </p:spPr>
+        <p:txBody>
+          <a:bodyPr/>
+          <a:lstStyle/>
+          <a:p>
+            <a:r>
+              <a:rPr lang="ru-RU" dirty="0"/>
+              <a:t>ИТОГ</a:t>
+            </a:r>
+          </a:p>
+        </p:txBody>
+      </p:sp>
+      <p:sp>
+        <p:nvSpPr>
+          <p:cNvPr id="3" name="Content Placeholder 2">
+            <a:extLst>
+              <a:ext uri="{FF2B5EF4-FFF2-40B4-BE49-F238E27FC236}">
+                <a16:creationId xmlns:a16="http://schemas.microsoft.com/office/drawing/2014/main" id="{2EF2176F-A672-4FB7-B9BC-3FCDB153BE3D}"/>
+              </a:ext>
+            </a:extLst>
+          </p:cNvPr>
+          <p:cNvSpPr>
+            <a:spLocks noGrp="1"/>
+          </p:cNvSpPr>
+          <p:nvPr>
+            <p:ph idx="1"/>
+          </p:nvPr>
+        </p:nvSpPr>
+        <p:spPr>
+          <a:xfrm>
+            <a:off x="1141414" y="1847274"/>
+            <a:ext cx="6700259" cy="4392208"/>
+          </a:xfrm>
+        </p:spPr>
         <p:txBody>
           <a:bodyPr>
             <a:normAutofit/>
           </a:bodyPr>
           <a:lstStyle/>
           <a:p>
-            <a:pPr algn="ctr"/>
-            <a:r>
-              <a:rPr lang="ru-RU" sz="4400" dirty="0"/>
-              <a:t>Спасибо за внимание!</a:t>
-            </a:r>
+            <a:pPr marL="0" indent="0" algn="just">
+              <a:buNone/>
+            </a:pPr>
+            <a:r>
+              <a:rPr lang="ru-RU" dirty="0"/>
+              <a:t>Концепцию </a:t>
+            </a:r>
+            <a:r>
+              <a:rPr lang="ru-RU" dirty="0">
+                <a:solidFill>
+                  <a:schemeClr val="accent5"/>
+                </a:solidFill>
+              </a:rPr>
+              <a:t>O </a:t>
+            </a:r>
+            <a:r>
+              <a:rPr lang="en-US" dirty="0">
+                <a:solidFill>
+                  <a:schemeClr val="accent5"/>
+                </a:solidFill>
+              </a:rPr>
+              <a:t>n</a:t>
+            </a:r>
+            <a:r>
+              <a:rPr lang="ru-RU" dirty="0">
+                <a:solidFill>
+                  <a:schemeClr val="accent5"/>
+                </a:solidFill>
+              </a:rPr>
+              <a:t> </a:t>
+            </a:r>
+            <a:r>
+              <a:rPr lang="ru-RU" dirty="0"/>
+              <a:t>необходимо понимать, чтобы уметь </a:t>
+            </a:r>
+            <a:r>
+              <a:rPr lang="ru-RU" dirty="0">
+                <a:solidFill>
+                  <a:schemeClr val="accent1"/>
+                </a:solidFill>
+              </a:rPr>
+              <a:t>видеть и исправлять неоптимальный код</a:t>
+            </a:r>
+            <a:r>
+              <a:rPr lang="ru-RU" dirty="0"/>
+              <a:t>.</a:t>
+            </a:r>
+          </a:p>
+          <a:p>
+            <a:pPr marL="0" indent="0" algn="just">
+              <a:buNone/>
+            </a:pPr>
+            <a:r>
+              <a:rPr lang="ru-RU" dirty="0"/>
+              <a:t>Ни один серьёзный </a:t>
+            </a:r>
+            <a:r>
+              <a:rPr lang="ru-RU" dirty="0">
+                <a:solidFill>
+                  <a:schemeClr val="accent2"/>
+                </a:solidFill>
+              </a:rPr>
+              <a:t>проект</a:t>
+            </a:r>
+            <a:r>
+              <a:rPr lang="ru-RU" dirty="0"/>
+              <a:t>, как ни одно серьёзное </a:t>
+            </a:r>
+            <a:r>
+              <a:rPr lang="ru-RU" dirty="0">
+                <a:solidFill>
+                  <a:schemeClr val="accent2"/>
+                </a:solidFill>
+              </a:rPr>
+              <a:t>собеседование</a:t>
+            </a:r>
+            <a:r>
+              <a:rPr lang="ru-RU" dirty="0"/>
+              <a:t>, </a:t>
+            </a:r>
+            <a:r>
+              <a:rPr lang="ru-RU" dirty="0">
+                <a:solidFill>
+                  <a:schemeClr val="accent1"/>
+                </a:solidFill>
+              </a:rPr>
+              <a:t>не могут обойтись без вопросов о</a:t>
+            </a:r>
+            <a:r>
+              <a:rPr lang="ru-RU" dirty="0"/>
+              <a:t> </a:t>
+            </a:r>
+            <a:r>
+              <a:rPr lang="ru-RU" dirty="0">
+                <a:solidFill>
+                  <a:schemeClr val="accent5"/>
+                </a:solidFill>
+              </a:rPr>
+              <a:t>O</a:t>
+            </a:r>
+            <a:r>
+              <a:rPr lang="en-US" dirty="0">
+                <a:solidFill>
+                  <a:schemeClr val="accent5"/>
+                </a:solidFill>
+              </a:rPr>
+              <a:t> n</a:t>
+            </a:r>
+            <a:r>
+              <a:rPr lang="ru-RU" dirty="0"/>
+              <a:t>.</a:t>
+            </a:r>
+          </a:p>
+          <a:p>
+            <a:pPr marL="0" indent="0" algn="just">
+              <a:buNone/>
+            </a:pPr>
+            <a:r>
+              <a:rPr lang="ru-RU" dirty="0">
+                <a:solidFill>
+                  <a:schemeClr val="accent1"/>
+                </a:solidFill>
+              </a:rPr>
+              <a:t>Непонимание</a:t>
+            </a:r>
+            <a:r>
+              <a:rPr lang="ru-RU" dirty="0"/>
+              <a:t> </a:t>
+            </a:r>
+            <a:r>
+              <a:rPr lang="ru-RU" dirty="0">
+                <a:solidFill>
+                  <a:schemeClr val="accent5"/>
+                </a:solidFill>
+              </a:rPr>
+              <a:t>O</a:t>
+            </a:r>
+            <a:r>
+              <a:rPr lang="en-US" dirty="0">
+                <a:solidFill>
+                  <a:schemeClr val="accent5"/>
+                </a:solidFill>
+              </a:rPr>
+              <a:t> n</a:t>
+            </a:r>
+            <a:r>
+              <a:rPr lang="ru-RU" dirty="0">
+                <a:solidFill>
+                  <a:schemeClr val="accent5"/>
+                </a:solidFill>
+              </a:rPr>
+              <a:t> </a:t>
+            </a:r>
+            <a:r>
+              <a:rPr lang="ru-RU" dirty="0">
+                <a:solidFill>
+                  <a:schemeClr val="accent1"/>
+                </a:solidFill>
+              </a:rPr>
+              <a:t>ведёт к </a:t>
+            </a:r>
+            <a:r>
+              <a:rPr lang="ru-RU" dirty="0"/>
+              <a:t>серьёзной </a:t>
+            </a:r>
+            <a:r>
+              <a:rPr lang="ru-RU" dirty="0">
+                <a:solidFill>
+                  <a:schemeClr val="accent1"/>
+                </a:solidFill>
+              </a:rPr>
+              <a:t>потере производительности</a:t>
+            </a:r>
+            <a:r>
+              <a:rPr lang="ru-RU" dirty="0"/>
+              <a:t> ваших алгоритмов.</a:t>
+            </a:r>
+            <a:endParaRPr lang="en-US" dirty="0"/>
           </a:p>
         </p:txBody>
       </p:sp>
       <p:pic>
         <p:nvPicPr>
-          <p:cNvPr id="8" name="Picture 7">
+          <p:cNvPr id="5" name="Picture 4">
             <a:extLst>
               <a:ext uri="{FF2B5EF4-FFF2-40B4-BE49-F238E27FC236}">
-                <a16:creationId xmlns:a16="http://schemas.microsoft.com/office/drawing/2014/main" id="{F56F07C9-96B5-4615-80F4-47F3CC406A70}"/>
+                <a16:creationId xmlns:a16="http://schemas.microsoft.com/office/drawing/2014/main" id="{6A133FCA-D873-491B-8CDB-B4E01801D70D}"/>
               </a:ext>
             </a:extLst>
           </p:cNvPr>
@@ -17590,8 +17736,8 @@
         </p:blipFill>
         <p:spPr>
           <a:xfrm>
-            <a:off x="3307578" y="2304072"/>
-            <a:ext cx="5573668" cy="4050199"/>
+            <a:off x="8480546" y="3368884"/>
+            <a:ext cx="3118715" cy="3118715"/>
           </a:xfrm>
           <a:prstGeom prst="rect">
             <a:avLst/>
@@ -17601,7 +17747,7 @@
     </p:spTree>
     <p:extLst>
       <p:ext uri="{BB962C8B-B14F-4D97-AF65-F5344CB8AC3E}">
-        <p14:creationId xmlns:p14="http://schemas.microsoft.com/office/powerpoint/2010/main" val="2492845570"/>
+        <p14:creationId xmlns:p14="http://schemas.microsoft.com/office/powerpoint/2010/main" val="773207279"/>
       </p:ext>
     </p:extLst>
   </p:cSld>
@@ -17840,6 +17986,138 @@
     <p:extLst>
       <p:ext uri="{BB962C8B-B14F-4D97-AF65-F5344CB8AC3E}">
         <p14:creationId xmlns:p14="http://schemas.microsoft.com/office/powerpoint/2010/main" val="2824083376"/>
+      </p:ext>
+    </p:extLst>
+  </p:cSld>
+  <p:clrMapOvr>
+    <a:masterClrMapping/>
+  </p:clrMapOvr>
+</p:sld>
+</file>
+
+<file path=ppt/slides/slide20.xml><?xml version="1.0" encoding="utf-8"?>
+<p:sld xmlns:a="http://schemas.openxmlformats.org/drawingml/2006/main" xmlns:r="http://schemas.openxmlformats.org/officeDocument/2006/relationships" xmlns:p="http://schemas.openxmlformats.org/presentationml/2006/main">
+  <p:cSld>
+    <p:bg>
+      <p:bgPr>
+        <a:blipFill>
+          <a:blip r:embed="rId2">
+            <a:duotone>
+              <a:schemeClr val="bg2">
+                <a:shade val="48000"/>
+                <a:hueMod val="106000"/>
+                <a:satMod val="140000"/>
+                <a:lumMod val="42000"/>
+              </a:schemeClr>
+              <a:schemeClr val="bg2">
+                <a:tint val="98000"/>
+                <a:hueMod val="92000"/>
+                <a:satMod val="220000"/>
+                <a:lumMod val="90000"/>
+              </a:schemeClr>
+            </a:duotone>
+            <a:extLst>
+              <a:ext uri="{BEBA8EAE-BF5A-486C-A8C5-ECC9F3942E4B}">
+                <a14:imgProps xmlns:a14="http://schemas.microsoft.com/office/drawing/2010/main">
+                  <a14:imgLayer r:embed="rId3">
+                    <a14:imgEffect>
+                      <a14:brightnessContrast bright="-100000"/>
+                    </a14:imgEffect>
+                  </a14:imgLayer>
+                </a14:imgProps>
+              </a:ext>
+            </a:extLst>
+          </a:blip>
+          <a:stretch/>
+        </a:blipFill>
+        <a:effectLst/>
+      </p:bgPr>
+    </p:bg>
+    <p:spTree>
+      <p:nvGrpSpPr>
+        <p:cNvPr id="1" name=""/>
+        <p:cNvGrpSpPr/>
+        <p:nvPr/>
+      </p:nvGrpSpPr>
+      <p:grpSpPr>
+        <a:xfrm>
+          <a:off x="0" y="0"/>
+          <a:ext cx="0" cy="0"/>
+          <a:chOff x="0" y="0"/>
+          <a:chExt cx="0" cy="0"/>
+        </a:xfrm>
+      </p:grpSpPr>
+      <p:sp>
+        <p:nvSpPr>
+          <p:cNvPr id="2" name="Title 1">
+            <a:extLst>
+              <a:ext uri="{FF2B5EF4-FFF2-40B4-BE49-F238E27FC236}">
+                <a16:creationId xmlns:a16="http://schemas.microsoft.com/office/drawing/2014/main" id="{1FE24801-2B05-4155-9E23-F8D1DB8DFF8C}"/>
+              </a:ext>
+            </a:extLst>
+          </p:cNvPr>
+          <p:cNvSpPr>
+            <a:spLocks noGrp="1"/>
+          </p:cNvSpPr>
+          <p:nvPr>
+            <p:ph type="title"/>
+          </p:nvPr>
+        </p:nvSpPr>
+        <p:spPr/>
+        <p:txBody>
+          <a:bodyPr>
+            <a:normAutofit/>
+          </a:bodyPr>
+          <a:lstStyle/>
+          <a:p>
+            <a:pPr algn="ctr"/>
+            <a:r>
+              <a:rPr lang="ru-RU" sz="4400" dirty="0"/>
+              <a:t>Спасибо за внимание!</a:t>
+            </a:r>
+          </a:p>
+        </p:txBody>
+      </p:sp>
+      <p:pic>
+        <p:nvPicPr>
+          <p:cNvPr id="8" name="Picture 7">
+            <a:extLst>
+              <a:ext uri="{FF2B5EF4-FFF2-40B4-BE49-F238E27FC236}">
+                <a16:creationId xmlns:a16="http://schemas.microsoft.com/office/drawing/2014/main" id="{F56F07C9-96B5-4615-80F4-47F3CC406A70}"/>
+              </a:ext>
+            </a:extLst>
+          </p:cNvPr>
+          <p:cNvPicPr>
+            <a:picLocks noChangeAspect="1"/>
+          </p:cNvPicPr>
+          <p:nvPr/>
+        </p:nvPicPr>
+        <p:blipFill>
+          <a:blip r:embed="rId4">
+            <a:extLst>
+              <a:ext uri="{28A0092B-C50C-407E-A947-70E740481C1C}">
+                <a14:useLocalDpi xmlns:a14="http://schemas.microsoft.com/office/drawing/2010/main" val="0"/>
+              </a:ext>
+            </a:extLst>
+          </a:blip>
+          <a:stretch>
+            <a:fillRect/>
+          </a:stretch>
+        </p:blipFill>
+        <p:spPr>
+          <a:xfrm>
+            <a:off x="3307578" y="2304072"/>
+            <a:ext cx="5573668" cy="4050199"/>
+          </a:xfrm>
+          <a:prstGeom prst="rect">
+            <a:avLst/>
+          </a:prstGeom>
+        </p:spPr>
+      </p:pic>
+    </p:spTree>
+    <p:extLst>
+      <p:ext uri="{BB962C8B-B14F-4D97-AF65-F5344CB8AC3E}">
+        <p14:creationId xmlns:p14="http://schemas.microsoft.com/office/powerpoint/2010/main" val="2492845570"/>
       </p:ext>
     </p:extLst>
   </p:cSld>

--- a/14. Сложность алгоритмов завершение/14. Сложность алгоритмов завершение.pptx
+++ b/14. Сложность алгоритмов завершение/14. Сложность алгоритмов завершение.pptx
@@ -625,7 +625,7 @@
           <a:noFill/>
           <a:extLst>
             <a:ext uri="{909E8E84-426E-40dd-AFC4-6F175D3DCCD1}">
-              <a14:hiddenFill xmlns:a14="http://schemas.microsoft.com/office/drawing/2010/main" xmlns="">
+              <a14:hiddenFill xmlns="" xmlns:a14="http://schemas.microsoft.com/office/drawing/2010/main">
                 <a:solidFill>
                   <a:srgbClr val="FFFFFF"/>
                 </a:solidFill>
@@ -684,7 +684,7 @@
             </a:ln>
             <a:extLst>
               <a:ext uri="{91240B29-F687-4f45-9708-019B960494DF}">
-                <a14:hiddenLine xmlns:a14="http://schemas.microsoft.com/office/drawing/2010/main" xmlns="" w="9525">
+                <a14:hiddenLine xmlns="" xmlns:a14="http://schemas.microsoft.com/office/drawing/2010/main" w="9525">
                   <a:solidFill>
                     <a:srgbClr val="000000"/>
                   </a:solidFill>
@@ -774,7 +774,7 @@
             </a:ln>
             <a:extLst>
               <a:ext uri="{91240B29-F687-4f45-9708-019B960494DF}">
-                <a14:hiddenLine xmlns:a14="http://schemas.microsoft.com/office/drawing/2010/main" xmlns="" w="9525">
+                <a14:hiddenLine xmlns="" xmlns:a14="http://schemas.microsoft.com/office/drawing/2010/main" w="9525">
                   <a:solidFill>
                     <a:srgbClr val="000000"/>
                   </a:solidFill>
@@ -864,7 +864,7 @@
             </a:ln>
             <a:extLst>
               <a:ext uri="{91240B29-F687-4f45-9708-019B960494DF}">
-                <a14:hiddenLine xmlns:a14="http://schemas.microsoft.com/office/drawing/2010/main" xmlns="" w="9525">
+                <a14:hiddenLine xmlns="" xmlns:a14="http://schemas.microsoft.com/office/drawing/2010/main" w="9525">
                   <a:solidFill>
                     <a:srgbClr val="000000"/>
                   </a:solidFill>
@@ -898,7 +898,7 @@
             </a:ln>
             <a:extLst>
               <a:ext uri="{91240B29-F687-4f45-9708-019B960494DF}">
-                <a14:hiddenLine xmlns:a14="http://schemas.microsoft.com/office/drawing/2010/main" xmlns="" w="9525">
+                <a14:hiddenLine xmlns="" xmlns:a14="http://schemas.microsoft.com/office/drawing/2010/main" w="9525">
                   <a:solidFill>
                     <a:srgbClr val="000000"/>
                   </a:solidFill>
@@ -988,7 +988,7 @@
             </a:ln>
             <a:extLst>
               <a:ext uri="{91240B29-F687-4f45-9708-019B960494DF}">
-                <a14:hiddenLine xmlns:a14="http://schemas.microsoft.com/office/drawing/2010/main" xmlns="" w="9525">
+                <a14:hiddenLine xmlns="" xmlns:a14="http://schemas.microsoft.com/office/drawing/2010/main" w="9525">
                   <a:solidFill>
                     <a:srgbClr val="000000"/>
                   </a:solidFill>
@@ -1050,7 +1050,7 @@
             </a:ln>
             <a:extLst>
               <a:ext uri="{91240B29-F687-4f45-9708-019B960494DF}">
-                <a14:hiddenLine xmlns:a14="http://schemas.microsoft.com/office/drawing/2010/main" xmlns="" w="9525">
+                <a14:hiddenLine xmlns="" xmlns:a14="http://schemas.microsoft.com/office/drawing/2010/main" w="9525">
                   <a:solidFill>
                     <a:srgbClr val="000000"/>
                   </a:solidFill>
@@ -1112,7 +1112,7 @@
             </a:ln>
             <a:extLst>
               <a:ext uri="{91240B29-F687-4f45-9708-019B960494DF}">
-                <a14:hiddenLine xmlns:a14="http://schemas.microsoft.com/office/drawing/2010/main" xmlns="" w="9525">
+                <a14:hiddenLine xmlns="" xmlns:a14="http://schemas.microsoft.com/office/drawing/2010/main" w="9525">
                   <a:solidFill>
                     <a:srgbClr val="000000"/>
                   </a:solidFill>
@@ -1202,7 +1202,7 @@
             </a:ln>
             <a:extLst>
               <a:ext uri="{91240B29-F687-4f45-9708-019B960494DF}">
-                <a14:hiddenLine xmlns:a14="http://schemas.microsoft.com/office/drawing/2010/main" xmlns="" w="9525">
+                <a14:hiddenLine xmlns="" xmlns:a14="http://schemas.microsoft.com/office/drawing/2010/main" w="9525">
                   <a:solidFill>
                     <a:srgbClr val="000000"/>
                   </a:solidFill>
@@ -1264,7 +1264,7 @@
             </a:ln>
             <a:extLst>
               <a:ext uri="{91240B29-F687-4f45-9708-019B960494DF}">
-                <a14:hiddenLine xmlns:a14="http://schemas.microsoft.com/office/drawing/2010/main" xmlns="" w="9525">
+                <a14:hiddenLine xmlns="" xmlns:a14="http://schemas.microsoft.com/office/drawing/2010/main" w="9525">
                   <a:solidFill>
                     <a:srgbClr val="000000"/>
                   </a:solidFill>
@@ -1326,7 +1326,7 @@
             </a:ln>
             <a:extLst>
               <a:ext uri="{91240B29-F687-4f45-9708-019B960494DF}">
-                <a14:hiddenLine xmlns:a14="http://schemas.microsoft.com/office/drawing/2010/main" xmlns="" w="9525">
+                <a14:hiddenLine xmlns="" xmlns:a14="http://schemas.microsoft.com/office/drawing/2010/main" w="9525">
                   <a:solidFill>
                     <a:srgbClr val="000000"/>
                   </a:solidFill>
@@ -1416,7 +1416,7 @@
             </a:ln>
             <a:extLst>
               <a:ext uri="{91240B29-F687-4f45-9708-019B960494DF}">
-                <a14:hiddenLine xmlns:a14="http://schemas.microsoft.com/office/drawing/2010/main" xmlns="" w="9525">
+                <a14:hiddenLine xmlns="" xmlns:a14="http://schemas.microsoft.com/office/drawing/2010/main" w="9525">
                   <a:solidFill>
                     <a:srgbClr val="000000"/>
                   </a:solidFill>
@@ -1506,7 +1506,7 @@
             </a:ln>
             <a:extLst>
               <a:ext uri="{91240B29-F687-4f45-9708-019B960494DF}">
-                <a14:hiddenLine xmlns:a14="http://schemas.microsoft.com/office/drawing/2010/main" xmlns="" w="9525">
+                <a14:hiddenLine xmlns="" xmlns:a14="http://schemas.microsoft.com/office/drawing/2010/main" w="9525">
                   <a:solidFill>
                     <a:srgbClr val="000000"/>
                   </a:solidFill>
@@ -1568,7 +1568,7 @@
             </a:ln>
             <a:extLst>
               <a:ext uri="{91240B29-F687-4f45-9708-019B960494DF}">
-                <a14:hiddenLine xmlns:a14="http://schemas.microsoft.com/office/drawing/2010/main" xmlns="" w="9525">
+                <a14:hiddenLine xmlns="" xmlns:a14="http://schemas.microsoft.com/office/drawing/2010/main" w="9525">
                   <a:solidFill>
                     <a:srgbClr val="000000"/>
                   </a:solidFill>
@@ -1678,7 +1678,7 @@
             </a:ln>
             <a:extLst>
               <a:ext uri="{91240B29-F687-4f45-9708-019B960494DF}">
-                <a14:hiddenLine xmlns:a14="http://schemas.microsoft.com/office/drawing/2010/main" xmlns="" w="9525">
+                <a14:hiddenLine xmlns="" xmlns:a14="http://schemas.microsoft.com/office/drawing/2010/main" w="9525">
                   <a:solidFill>
                     <a:srgbClr val="000000"/>
                   </a:solidFill>
@@ -1740,7 +1740,7 @@
             </a:ln>
             <a:extLst>
               <a:ext uri="{91240B29-F687-4f45-9708-019B960494DF}">
-                <a14:hiddenLine xmlns:a14="http://schemas.microsoft.com/office/drawing/2010/main" xmlns="" w="9525">
+                <a14:hiddenLine xmlns="" xmlns:a14="http://schemas.microsoft.com/office/drawing/2010/main" w="9525">
                   <a:solidFill>
                     <a:srgbClr val="000000"/>
                   </a:solidFill>
@@ -1830,7 +1830,7 @@
             </a:ln>
             <a:extLst>
               <a:ext uri="{91240B29-F687-4f45-9708-019B960494DF}">
-                <a14:hiddenLine xmlns:a14="http://schemas.microsoft.com/office/drawing/2010/main" xmlns="" w="9525">
+                <a14:hiddenLine xmlns="" xmlns:a14="http://schemas.microsoft.com/office/drawing/2010/main" w="9525">
                   <a:solidFill>
                     <a:srgbClr val="000000"/>
                   </a:solidFill>
@@ -1920,7 +1920,7 @@
             </a:ln>
             <a:extLst>
               <a:ext uri="{91240B29-F687-4f45-9708-019B960494DF}">
-                <a14:hiddenLine xmlns:a14="http://schemas.microsoft.com/office/drawing/2010/main" xmlns="" w="9525">
+                <a14:hiddenLine xmlns="" xmlns:a14="http://schemas.microsoft.com/office/drawing/2010/main" w="9525">
                   <a:solidFill>
                     <a:srgbClr val="000000"/>
                   </a:solidFill>
@@ -1982,7 +1982,7 @@
             </a:ln>
             <a:extLst>
               <a:ext uri="{91240B29-F687-4f45-9708-019B960494DF}">
-                <a14:hiddenLine xmlns:a14="http://schemas.microsoft.com/office/drawing/2010/main" xmlns="" w="9525">
+                <a14:hiddenLine xmlns="" xmlns:a14="http://schemas.microsoft.com/office/drawing/2010/main" w="9525">
                   <a:solidFill>
                     <a:srgbClr val="000000"/>
                   </a:solidFill>
@@ -2072,7 +2072,7 @@
             </a:ln>
             <a:extLst>
               <a:ext uri="{91240B29-F687-4f45-9708-019B960494DF}">
-                <a14:hiddenLine xmlns:a14="http://schemas.microsoft.com/office/drawing/2010/main" xmlns="" w="9525">
+                <a14:hiddenLine xmlns="" xmlns:a14="http://schemas.microsoft.com/office/drawing/2010/main" w="9525">
                   <a:solidFill>
                     <a:srgbClr val="000000"/>
                   </a:solidFill>
@@ -2162,7 +2162,7 @@
             </a:ln>
             <a:extLst>
               <a:ext uri="{91240B29-F687-4f45-9708-019B960494DF}">
-                <a14:hiddenLine xmlns:a14="http://schemas.microsoft.com/office/drawing/2010/main" xmlns="" w="9525">
+                <a14:hiddenLine xmlns="" xmlns:a14="http://schemas.microsoft.com/office/drawing/2010/main" w="9525">
                   <a:solidFill>
                     <a:srgbClr val="000000"/>
                   </a:solidFill>
@@ -2218,7 +2218,7 @@
             </a:ln>
             <a:extLst>
               <a:ext uri="{91240B29-F687-4f45-9708-019B960494DF}">
-                <a14:hiddenLine xmlns:a14="http://schemas.microsoft.com/office/drawing/2010/main" xmlns="" w="9525">
+                <a14:hiddenLine xmlns="" xmlns:a14="http://schemas.microsoft.com/office/drawing/2010/main" w="9525">
                   <a:solidFill>
                     <a:srgbClr val="000000"/>
                   </a:solidFill>
@@ -2308,7 +2308,7 @@
             </a:ln>
             <a:extLst>
               <a:ext uri="{91240B29-F687-4f45-9708-019B960494DF}">
-                <a14:hiddenLine xmlns:a14="http://schemas.microsoft.com/office/drawing/2010/main" xmlns="" w="9525">
+                <a14:hiddenLine xmlns="" xmlns:a14="http://schemas.microsoft.com/office/drawing/2010/main" w="9525">
                   <a:solidFill>
                     <a:srgbClr val="000000"/>
                   </a:solidFill>
@@ -2364,7 +2364,7 @@
             </a:ln>
             <a:extLst>
               <a:ext uri="{91240B29-F687-4f45-9708-019B960494DF}">
-                <a14:hiddenLine xmlns:a14="http://schemas.microsoft.com/office/drawing/2010/main" xmlns="" w="9525">
+                <a14:hiddenLine xmlns="" xmlns:a14="http://schemas.microsoft.com/office/drawing/2010/main" w="9525">
                   <a:solidFill>
                     <a:srgbClr val="000000"/>
                   </a:solidFill>
@@ -2454,7 +2454,7 @@
             </a:ln>
             <a:extLst>
               <a:ext uri="{91240B29-F687-4f45-9708-019B960494DF}">
-                <a14:hiddenLine xmlns:a14="http://schemas.microsoft.com/office/drawing/2010/main" xmlns="" w="9525">
+                <a14:hiddenLine xmlns="" xmlns:a14="http://schemas.microsoft.com/office/drawing/2010/main" w="9525">
                   <a:solidFill>
                     <a:srgbClr val="000000"/>
                   </a:solidFill>
@@ -2522,7 +2522,7 @@
             </a:ln>
             <a:extLst>
               <a:ext uri="{91240B29-F687-4f45-9708-019B960494DF}">
-                <a14:hiddenLine xmlns:a14="http://schemas.microsoft.com/office/drawing/2010/main" xmlns="" w="9525">
+                <a14:hiddenLine xmlns="" xmlns:a14="http://schemas.microsoft.com/office/drawing/2010/main" w="9525">
                   <a:solidFill>
                     <a:srgbClr val="000000"/>
                   </a:solidFill>
@@ -2612,7 +2612,7 @@
             </a:ln>
             <a:extLst>
               <a:ext uri="{91240B29-F687-4f45-9708-019B960494DF}">
-                <a14:hiddenLine xmlns:a14="http://schemas.microsoft.com/office/drawing/2010/main" xmlns="" w="9525">
+                <a14:hiddenLine xmlns="" xmlns:a14="http://schemas.microsoft.com/office/drawing/2010/main" w="9525">
                   <a:solidFill>
                     <a:srgbClr val="000000"/>
                   </a:solidFill>
@@ -2680,7 +2680,7 @@
             </a:ln>
             <a:extLst>
               <a:ext uri="{91240B29-F687-4f45-9708-019B960494DF}">
-                <a14:hiddenLine xmlns:a14="http://schemas.microsoft.com/office/drawing/2010/main" xmlns="" w="9525">
+                <a14:hiddenLine xmlns="" xmlns:a14="http://schemas.microsoft.com/office/drawing/2010/main" w="9525">
                   <a:solidFill>
                     <a:srgbClr val="000000"/>
                   </a:solidFill>
@@ -2770,7 +2770,7 @@
             </a:ln>
             <a:extLst>
               <a:ext uri="{91240B29-F687-4f45-9708-019B960494DF}">
-                <a14:hiddenLine xmlns:a14="http://schemas.microsoft.com/office/drawing/2010/main" xmlns="" w="9525">
+                <a14:hiddenLine xmlns="" xmlns:a14="http://schemas.microsoft.com/office/drawing/2010/main" w="9525">
                   <a:solidFill>
                     <a:srgbClr val="000000"/>
                   </a:solidFill>
@@ -2804,7 +2804,7 @@
             </a:ln>
             <a:extLst>
               <a:ext uri="{91240B29-F687-4f45-9708-019B960494DF}">
-                <a14:hiddenLine xmlns:a14="http://schemas.microsoft.com/office/drawing/2010/main" xmlns="" w="9525">
+                <a14:hiddenLine xmlns="" xmlns:a14="http://schemas.microsoft.com/office/drawing/2010/main" w="9525">
                   <a:solidFill>
                     <a:srgbClr val="000000"/>
                   </a:solidFill>
@@ -2894,7 +2894,7 @@
             </a:ln>
             <a:extLst>
               <a:ext uri="{91240B29-F687-4f45-9708-019B960494DF}">
-                <a14:hiddenLine xmlns:a14="http://schemas.microsoft.com/office/drawing/2010/main" xmlns="" w="9525">
+                <a14:hiddenLine xmlns="" xmlns:a14="http://schemas.microsoft.com/office/drawing/2010/main" w="9525">
                   <a:solidFill>
                     <a:srgbClr val="000000"/>
                   </a:solidFill>
@@ -2956,7 +2956,7 @@
             </a:ln>
             <a:extLst>
               <a:ext uri="{91240B29-F687-4f45-9708-019B960494DF}">
-                <a14:hiddenLine xmlns:a14="http://schemas.microsoft.com/office/drawing/2010/main" xmlns="" w="9525">
+                <a14:hiddenLine xmlns="" xmlns:a14="http://schemas.microsoft.com/office/drawing/2010/main" w="9525">
                   <a:solidFill>
                     <a:srgbClr val="000000"/>
                   </a:solidFill>
@@ -3018,7 +3018,7 @@
             </a:ln>
             <a:extLst>
               <a:ext uri="{91240B29-F687-4f45-9708-019B960494DF}">
-                <a14:hiddenLine xmlns:a14="http://schemas.microsoft.com/office/drawing/2010/main" xmlns="" w="9525">
+                <a14:hiddenLine xmlns="" xmlns:a14="http://schemas.microsoft.com/office/drawing/2010/main" w="9525">
                   <a:solidFill>
                     <a:srgbClr val="000000"/>
                   </a:solidFill>
@@ -3108,7 +3108,7 @@
             </a:ln>
             <a:extLst>
               <a:ext uri="{91240B29-F687-4f45-9708-019B960494DF}">
-                <a14:hiddenLine xmlns:a14="http://schemas.microsoft.com/office/drawing/2010/main" xmlns="" w="9525">
+                <a14:hiddenLine xmlns="" xmlns:a14="http://schemas.microsoft.com/office/drawing/2010/main" w="9525">
                   <a:solidFill>
                     <a:srgbClr val="000000"/>
                   </a:solidFill>
@@ -3176,7 +3176,7 @@
             </a:ln>
             <a:extLst>
               <a:ext uri="{91240B29-F687-4f45-9708-019B960494DF}">
-                <a14:hiddenLine xmlns:a14="http://schemas.microsoft.com/office/drawing/2010/main" xmlns="" w="9525">
+                <a14:hiddenLine xmlns="" xmlns:a14="http://schemas.microsoft.com/office/drawing/2010/main" w="9525">
                   <a:solidFill>
                     <a:srgbClr val="000000"/>
                   </a:solidFill>
@@ -3238,7 +3238,7 @@
             </a:ln>
             <a:extLst>
               <a:ext uri="{91240B29-F687-4f45-9708-019B960494DF}">
-                <a14:hiddenLine xmlns:a14="http://schemas.microsoft.com/office/drawing/2010/main" xmlns="" w="9525">
+                <a14:hiddenLine xmlns="" xmlns:a14="http://schemas.microsoft.com/office/drawing/2010/main" w="9525">
                   <a:solidFill>
                     <a:srgbClr val="000000"/>
                   </a:solidFill>
@@ -3328,7 +3328,7 @@
             </a:ln>
             <a:extLst>
               <a:ext uri="{91240B29-F687-4f45-9708-019B960494DF}">
-                <a14:hiddenLine xmlns:a14="http://schemas.microsoft.com/office/drawing/2010/main" xmlns="" w="9525">
+                <a14:hiddenLine xmlns="" xmlns:a14="http://schemas.microsoft.com/office/drawing/2010/main" w="9525">
                   <a:solidFill>
                     <a:srgbClr val="000000"/>
                   </a:solidFill>
@@ -3390,7 +3390,7 @@
             </a:ln>
             <a:extLst>
               <a:ext uri="{91240B29-F687-4f45-9708-019B960494DF}">
-                <a14:hiddenLine xmlns:a14="http://schemas.microsoft.com/office/drawing/2010/main" xmlns="" w="9525">
+                <a14:hiddenLine xmlns="" xmlns:a14="http://schemas.microsoft.com/office/drawing/2010/main" w="9525">
                   <a:solidFill>
                     <a:srgbClr val="000000"/>
                   </a:solidFill>
@@ -3480,7 +3480,7 @@
             </a:ln>
             <a:extLst>
               <a:ext uri="{91240B29-F687-4f45-9708-019B960494DF}">
-                <a14:hiddenLine xmlns:a14="http://schemas.microsoft.com/office/drawing/2010/main" xmlns="" w="9525">
+                <a14:hiddenLine xmlns="" xmlns:a14="http://schemas.microsoft.com/office/drawing/2010/main" w="9525">
                   <a:solidFill>
                     <a:srgbClr val="000000"/>
                   </a:solidFill>
@@ -3542,7 +3542,7 @@
             </a:ln>
             <a:extLst>
               <a:ext uri="{91240B29-F687-4f45-9708-019B960494DF}">
-                <a14:hiddenLine xmlns:a14="http://schemas.microsoft.com/office/drawing/2010/main" xmlns="" w="9525">
+                <a14:hiddenLine xmlns="" xmlns:a14="http://schemas.microsoft.com/office/drawing/2010/main" w="9525">
                   <a:solidFill>
                     <a:srgbClr val="000000"/>
                   </a:solidFill>
@@ -3632,7 +3632,7 @@
             </a:ln>
             <a:extLst>
               <a:ext uri="{91240B29-F687-4f45-9708-019B960494DF}">
-                <a14:hiddenLine xmlns:a14="http://schemas.microsoft.com/office/drawing/2010/main" xmlns="" w="9525">
+                <a14:hiddenLine xmlns="" xmlns:a14="http://schemas.microsoft.com/office/drawing/2010/main" w="9525">
                   <a:solidFill>
                     <a:srgbClr val="000000"/>
                   </a:solidFill>
@@ -3666,7 +3666,7 @@
             </a:ln>
             <a:extLst>
               <a:ext uri="{91240B29-F687-4f45-9708-019B960494DF}">
-                <a14:hiddenLine xmlns:a14="http://schemas.microsoft.com/office/drawing/2010/main" xmlns="" w="9525">
+                <a14:hiddenLine xmlns="" xmlns:a14="http://schemas.microsoft.com/office/drawing/2010/main" w="9525">
                   <a:solidFill>
                     <a:srgbClr val="000000"/>
                   </a:solidFill>
@@ -3731,7 +3731,7 @@
             </a:ln>
             <a:extLst>
               <a:ext uri="{91240B29-F687-4f45-9708-019B960494DF}">
-                <a14:hiddenLine xmlns:a14="http://schemas.microsoft.com/office/drawing/2010/main" xmlns="" w="9525">
+                <a14:hiddenLine xmlns="" xmlns:a14="http://schemas.microsoft.com/office/drawing/2010/main" w="9525">
                   <a:solidFill>
                     <a:srgbClr val="000000"/>
                   </a:solidFill>
@@ -3821,7 +3821,7 @@
             </a:ln>
             <a:extLst>
               <a:ext uri="{91240B29-F687-4f45-9708-019B960494DF}">
-                <a14:hiddenLine xmlns:a14="http://schemas.microsoft.com/office/drawing/2010/main" xmlns="" w="9525">
+                <a14:hiddenLine xmlns="" xmlns:a14="http://schemas.microsoft.com/office/drawing/2010/main" w="9525">
                   <a:solidFill>
                     <a:srgbClr val="000000"/>
                   </a:solidFill>
@@ -3883,7 +3883,7 @@
             </a:ln>
             <a:extLst>
               <a:ext uri="{91240B29-F687-4f45-9708-019B960494DF}">
-                <a14:hiddenLine xmlns:a14="http://schemas.microsoft.com/office/drawing/2010/main" xmlns="" w="9525">
+                <a14:hiddenLine xmlns="" xmlns:a14="http://schemas.microsoft.com/office/drawing/2010/main" w="9525">
                   <a:solidFill>
                     <a:srgbClr val="000000"/>
                   </a:solidFill>
@@ -3973,7 +3973,7 @@
             </a:ln>
             <a:extLst>
               <a:ext uri="{91240B29-F687-4f45-9708-019B960494DF}">
-                <a14:hiddenLine xmlns:a14="http://schemas.microsoft.com/office/drawing/2010/main" xmlns="" w="9525">
+                <a14:hiddenLine xmlns="" xmlns:a14="http://schemas.microsoft.com/office/drawing/2010/main" w="9525">
                   <a:solidFill>
                     <a:srgbClr val="000000"/>
                   </a:solidFill>
@@ -4063,7 +4063,7 @@
             </a:ln>
             <a:extLst>
               <a:ext uri="{91240B29-F687-4f45-9708-019B960494DF}">
-                <a14:hiddenLine xmlns:a14="http://schemas.microsoft.com/office/drawing/2010/main" xmlns="" w="9525">
+                <a14:hiddenLine xmlns="" xmlns:a14="http://schemas.microsoft.com/office/drawing/2010/main" w="9525">
                   <a:solidFill>
                     <a:srgbClr val="000000"/>
                   </a:solidFill>
@@ -4128,7 +4128,7 @@
             </a:ln>
             <a:extLst>
               <a:ext uri="{91240B29-F687-4f45-9708-019B960494DF}">
-                <a14:hiddenLine xmlns:a14="http://schemas.microsoft.com/office/drawing/2010/main" xmlns="" w="9525">
+                <a14:hiddenLine xmlns="" xmlns:a14="http://schemas.microsoft.com/office/drawing/2010/main" w="9525">
                   <a:solidFill>
                     <a:srgbClr val="000000"/>
                   </a:solidFill>
@@ -4190,7 +4190,7 @@
             </a:ln>
             <a:extLst>
               <a:ext uri="{91240B29-F687-4f45-9708-019B960494DF}">
-                <a14:hiddenLine xmlns:a14="http://schemas.microsoft.com/office/drawing/2010/main" xmlns="" w="9525">
+                <a14:hiddenLine xmlns="" xmlns:a14="http://schemas.microsoft.com/office/drawing/2010/main" w="9525">
                   <a:solidFill>
                     <a:srgbClr val="000000"/>
                   </a:solidFill>
@@ -4280,7 +4280,7 @@
             </a:ln>
             <a:extLst>
               <a:ext uri="{91240B29-F687-4f45-9708-019B960494DF}">
-                <a14:hiddenLine xmlns:a14="http://schemas.microsoft.com/office/drawing/2010/main" xmlns="" w="9525">
+                <a14:hiddenLine xmlns="" xmlns:a14="http://schemas.microsoft.com/office/drawing/2010/main" w="9525">
                   <a:solidFill>
                     <a:srgbClr val="000000"/>
                   </a:solidFill>
@@ -4370,7 +4370,7 @@
             </a:ln>
             <a:extLst>
               <a:ext uri="{91240B29-F687-4f45-9708-019B960494DF}">
-                <a14:hiddenLine xmlns:a14="http://schemas.microsoft.com/office/drawing/2010/main" xmlns="" w="9525">
+                <a14:hiddenLine xmlns="" xmlns:a14="http://schemas.microsoft.com/office/drawing/2010/main" w="9525">
                   <a:solidFill>
                     <a:srgbClr val="000000"/>
                   </a:solidFill>
@@ -4432,7 +4432,7 @@
             </a:ln>
             <a:extLst>
               <a:ext uri="{91240B29-F687-4f45-9708-019B960494DF}">
-                <a14:hiddenLine xmlns:a14="http://schemas.microsoft.com/office/drawing/2010/main" xmlns="" w="9525">
+                <a14:hiddenLine xmlns="" xmlns:a14="http://schemas.microsoft.com/office/drawing/2010/main" w="9525">
                   <a:solidFill>
                     <a:srgbClr val="000000"/>
                   </a:solidFill>
@@ -4552,7 +4552,7 @@
             </a:ln>
             <a:extLst>
               <a:ext uri="{91240B29-F687-4f45-9708-019B960494DF}">
-                <a14:hiddenLine xmlns:a14="http://schemas.microsoft.com/office/drawing/2010/main" xmlns="" w="9525">
+                <a14:hiddenLine xmlns="" xmlns:a14="http://schemas.microsoft.com/office/drawing/2010/main" w="9525">
                   <a:solidFill>
                     <a:srgbClr val="000000"/>
                   </a:solidFill>
@@ -4620,7 +4620,7 @@
             </a:ln>
             <a:extLst>
               <a:ext uri="{91240B29-F687-4f45-9708-019B960494DF}">
-                <a14:hiddenLine xmlns:a14="http://schemas.microsoft.com/office/drawing/2010/main" xmlns="" w="9525">
+                <a14:hiddenLine xmlns="" xmlns:a14="http://schemas.microsoft.com/office/drawing/2010/main" w="9525">
                   <a:solidFill>
                     <a:srgbClr val="000000"/>
                   </a:solidFill>
@@ -4710,7 +4710,7 @@
             </a:ln>
             <a:extLst>
               <a:ext uri="{91240B29-F687-4f45-9708-019B960494DF}">
-                <a14:hiddenLine xmlns:a14="http://schemas.microsoft.com/office/drawing/2010/main" xmlns="" w="9525">
+                <a14:hiddenLine xmlns="" xmlns:a14="http://schemas.microsoft.com/office/drawing/2010/main" w="9525">
                   <a:solidFill>
                     <a:srgbClr val="000000"/>
                   </a:solidFill>
@@ -9524,7 +9524,7 @@
           <a:noFill/>
           <a:extLst>
             <a:ext uri="{909E8E84-426E-40dd-AFC4-6F175D3DCCD1}">
-              <a14:hiddenFill xmlns:a14="http://schemas.microsoft.com/office/drawing/2010/main" xmlns="">
+              <a14:hiddenFill xmlns="" xmlns:a14="http://schemas.microsoft.com/office/drawing/2010/main">
                 <a:solidFill>
                   <a:srgbClr val="FFFFFF"/>
                 </a:solidFill>
@@ -9598,7 +9598,7 @@
               </a:ln>
               <a:extLst>
                 <a:ext uri="{91240B29-F687-4f45-9708-019B960494DF}">
-                  <a14:hiddenLine xmlns:a14="http://schemas.microsoft.com/office/drawing/2010/main" xmlns="" w="9525">
+                  <a14:hiddenLine xmlns="" xmlns:a14="http://schemas.microsoft.com/office/drawing/2010/main" w="9525">
                     <a:solidFill>
                       <a:srgbClr val="000000"/>
                     </a:solidFill>
@@ -9688,7 +9688,7 @@
               </a:ln>
               <a:extLst>
                 <a:ext uri="{91240B29-F687-4f45-9708-019B960494DF}">
-                  <a14:hiddenLine xmlns:a14="http://schemas.microsoft.com/office/drawing/2010/main" xmlns="" w="9525">
+                  <a14:hiddenLine xmlns="" xmlns:a14="http://schemas.microsoft.com/office/drawing/2010/main" w="9525">
                     <a:solidFill>
                       <a:srgbClr val="000000"/>
                     </a:solidFill>
@@ -9778,7 +9778,7 @@
               </a:ln>
               <a:extLst>
                 <a:ext uri="{91240B29-F687-4f45-9708-019B960494DF}">
-                  <a14:hiddenLine xmlns:a14="http://schemas.microsoft.com/office/drawing/2010/main" xmlns="" w="9525">
+                  <a14:hiddenLine xmlns="" xmlns:a14="http://schemas.microsoft.com/office/drawing/2010/main" w="9525">
                     <a:solidFill>
                       <a:srgbClr val="000000"/>
                     </a:solidFill>
@@ -9840,7 +9840,7 @@
               </a:ln>
               <a:extLst>
                 <a:ext uri="{91240B29-F687-4f45-9708-019B960494DF}">
-                  <a14:hiddenLine xmlns:a14="http://schemas.microsoft.com/office/drawing/2010/main" xmlns="" w="9525">
+                  <a14:hiddenLine xmlns="" xmlns:a14="http://schemas.microsoft.com/office/drawing/2010/main" w="9525">
                     <a:solidFill>
                       <a:srgbClr val="000000"/>
                     </a:solidFill>
@@ -9930,7 +9930,7 @@
               </a:ln>
               <a:extLst>
                 <a:ext uri="{91240B29-F687-4f45-9708-019B960494DF}">
-                  <a14:hiddenLine xmlns:a14="http://schemas.microsoft.com/office/drawing/2010/main" xmlns="" w="9525">
+                  <a14:hiddenLine xmlns="" xmlns:a14="http://schemas.microsoft.com/office/drawing/2010/main" w="9525">
                     <a:solidFill>
                       <a:srgbClr val="000000"/>
                     </a:solidFill>
@@ -9992,7 +9992,7 @@
               </a:ln>
               <a:extLst>
                 <a:ext uri="{91240B29-F687-4f45-9708-019B960494DF}">
-                  <a14:hiddenLine xmlns:a14="http://schemas.microsoft.com/office/drawing/2010/main" xmlns="" w="9525">
+                  <a14:hiddenLine xmlns="" xmlns:a14="http://schemas.microsoft.com/office/drawing/2010/main" w="9525">
                     <a:solidFill>
                       <a:srgbClr val="000000"/>
                     </a:solidFill>
@@ -10054,7 +10054,7 @@
               </a:ln>
               <a:extLst>
                 <a:ext uri="{91240B29-F687-4f45-9708-019B960494DF}">
-                  <a14:hiddenLine xmlns:a14="http://schemas.microsoft.com/office/drawing/2010/main" xmlns="" w="9525">
+                  <a14:hiddenLine xmlns="" xmlns:a14="http://schemas.microsoft.com/office/drawing/2010/main" w="9525">
                     <a:solidFill>
                       <a:srgbClr val="000000"/>
                     </a:solidFill>
@@ -10144,7 +10144,7 @@
               </a:ln>
               <a:extLst>
                 <a:ext uri="{91240B29-F687-4f45-9708-019B960494DF}">
-                  <a14:hiddenLine xmlns:a14="http://schemas.microsoft.com/office/drawing/2010/main" xmlns="" w="9525">
+                  <a14:hiddenLine xmlns="" xmlns:a14="http://schemas.microsoft.com/office/drawing/2010/main" w="9525">
                     <a:solidFill>
                       <a:srgbClr val="000000"/>
                     </a:solidFill>
@@ -10234,7 +10234,7 @@
               </a:ln>
               <a:extLst>
                 <a:ext uri="{91240B29-F687-4f45-9708-019B960494DF}">
-                  <a14:hiddenLine xmlns:a14="http://schemas.microsoft.com/office/drawing/2010/main" xmlns="" w="9525">
+                  <a14:hiddenLine xmlns="" xmlns:a14="http://schemas.microsoft.com/office/drawing/2010/main" w="9525">
                     <a:solidFill>
                       <a:srgbClr val="000000"/>
                     </a:solidFill>
@@ -10296,7 +10296,7 @@
               </a:ln>
               <a:extLst>
                 <a:ext uri="{91240B29-F687-4f45-9708-019B960494DF}">
-                  <a14:hiddenLine xmlns:a14="http://schemas.microsoft.com/office/drawing/2010/main" xmlns="" w="9525">
+                  <a14:hiddenLine xmlns="" xmlns:a14="http://schemas.microsoft.com/office/drawing/2010/main" w="9525">
                     <a:solidFill>
                       <a:srgbClr val="000000"/>
                     </a:solidFill>
@@ -10406,7 +10406,7 @@
               </a:ln>
               <a:extLst>
                 <a:ext uri="{91240B29-F687-4f45-9708-019B960494DF}">
-                  <a14:hiddenLine xmlns:a14="http://schemas.microsoft.com/office/drawing/2010/main" xmlns="" w="9525">
+                  <a14:hiddenLine xmlns="" xmlns:a14="http://schemas.microsoft.com/office/drawing/2010/main" w="9525">
                     <a:solidFill>
                       <a:srgbClr val="000000"/>
                     </a:solidFill>
@@ -10490,7 +10490,7 @@
               </a:ln>
               <a:extLst>
                 <a:ext uri="{91240B29-F687-4f45-9708-019B960494DF}">
-                  <a14:hiddenLine xmlns:a14="http://schemas.microsoft.com/office/drawing/2010/main" xmlns="" w="9525">
+                  <a14:hiddenLine xmlns="" xmlns:a14="http://schemas.microsoft.com/office/drawing/2010/main" w="9525">
                     <a:solidFill>
                       <a:srgbClr val="000000"/>
                     </a:solidFill>
@@ -10552,7 +10552,7 @@
               </a:ln>
               <a:extLst>
                 <a:ext uri="{91240B29-F687-4f45-9708-019B960494DF}">
-                  <a14:hiddenLine xmlns:a14="http://schemas.microsoft.com/office/drawing/2010/main" xmlns="" w="9525">
+                  <a14:hiddenLine xmlns="" xmlns:a14="http://schemas.microsoft.com/office/drawing/2010/main" w="9525">
                     <a:solidFill>
                       <a:srgbClr val="000000"/>
                     </a:solidFill>
@@ -10614,7 +10614,7 @@
               </a:ln>
               <a:extLst>
                 <a:ext uri="{91240B29-F687-4f45-9708-019B960494DF}">
-                  <a14:hiddenLine xmlns:a14="http://schemas.microsoft.com/office/drawing/2010/main" xmlns="" w="9525">
+                  <a14:hiddenLine xmlns="" xmlns:a14="http://schemas.microsoft.com/office/drawing/2010/main" w="9525">
                     <a:solidFill>
                       <a:srgbClr val="000000"/>
                     </a:solidFill>
@@ -10704,7 +10704,7 @@
               </a:ln>
               <a:extLst>
                 <a:ext uri="{91240B29-F687-4f45-9708-019B960494DF}">
-                  <a14:hiddenLine xmlns:a14="http://schemas.microsoft.com/office/drawing/2010/main" xmlns="" w="9525">
+                  <a14:hiddenLine xmlns="" xmlns:a14="http://schemas.microsoft.com/office/drawing/2010/main" w="9525">
                     <a:solidFill>
                       <a:srgbClr val="000000"/>
                     </a:solidFill>
@@ -10738,7 +10738,7 @@
               </a:ln>
               <a:extLst>
                 <a:ext uri="{91240B29-F687-4f45-9708-019B960494DF}">
-                  <a14:hiddenLine xmlns:a14="http://schemas.microsoft.com/office/drawing/2010/main" xmlns="" w="9525">
+                  <a14:hiddenLine xmlns="" xmlns:a14="http://schemas.microsoft.com/office/drawing/2010/main" w="9525">
                     <a:solidFill>
                       <a:srgbClr val="000000"/>
                     </a:solidFill>
@@ -10803,7 +10803,7 @@
               </a:ln>
               <a:extLst>
                 <a:ext uri="{91240B29-F687-4f45-9708-019B960494DF}">
-                  <a14:hiddenLine xmlns:a14="http://schemas.microsoft.com/office/drawing/2010/main" xmlns="" w="9525">
+                  <a14:hiddenLine xmlns="" xmlns:a14="http://schemas.microsoft.com/office/drawing/2010/main" w="9525">
                     <a:solidFill>
                       <a:srgbClr val="000000"/>
                     </a:solidFill>
@@ -10893,7 +10893,7 @@
               </a:ln>
               <a:extLst>
                 <a:ext uri="{91240B29-F687-4f45-9708-019B960494DF}">
-                  <a14:hiddenLine xmlns:a14="http://schemas.microsoft.com/office/drawing/2010/main" xmlns="" w="9525">
+                  <a14:hiddenLine xmlns="" xmlns:a14="http://schemas.microsoft.com/office/drawing/2010/main" w="9525">
                     <a:solidFill>
                       <a:srgbClr val="000000"/>
                     </a:solidFill>
@@ -10955,7 +10955,7 @@
               </a:ln>
               <a:extLst>
                 <a:ext uri="{91240B29-F687-4f45-9708-019B960494DF}">
-                  <a14:hiddenLine xmlns:a14="http://schemas.microsoft.com/office/drawing/2010/main" xmlns="" w="9525">
+                  <a14:hiddenLine xmlns="" xmlns:a14="http://schemas.microsoft.com/office/drawing/2010/main" w="9525">
                     <a:solidFill>
                       <a:srgbClr val="000000"/>
                     </a:solidFill>
@@ -11045,7 +11045,7 @@
               </a:ln>
               <a:extLst>
                 <a:ext uri="{91240B29-F687-4f45-9708-019B960494DF}">
-                  <a14:hiddenLine xmlns:a14="http://schemas.microsoft.com/office/drawing/2010/main" xmlns="" w="9525">
+                  <a14:hiddenLine xmlns="" xmlns:a14="http://schemas.microsoft.com/office/drawing/2010/main" w="9525">
                     <a:solidFill>
                       <a:srgbClr val="000000"/>
                     </a:solidFill>
@@ -11110,7 +11110,7 @@
               </a:ln>
               <a:extLst>
                 <a:ext uri="{91240B29-F687-4f45-9708-019B960494DF}">
-                  <a14:hiddenLine xmlns:a14="http://schemas.microsoft.com/office/drawing/2010/main" xmlns="" w="9525">
+                  <a14:hiddenLine xmlns="" xmlns:a14="http://schemas.microsoft.com/office/drawing/2010/main" w="9525">
                     <a:solidFill>
                       <a:srgbClr val="000000"/>
                     </a:solidFill>
@@ -11172,7 +11172,7 @@
               </a:ln>
               <a:extLst>
                 <a:ext uri="{91240B29-F687-4f45-9708-019B960494DF}">
-                  <a14:hiddenLine xmlns:a14="http://schemas.microsoft.com/office/drawing/2010/main" xmlns="" w="9525">
+                  <a14:hiddenLine xmlns="" xmlns:a14="http://schemas.microsoft.com/office/drawing/2010/main" w="9525">
                     <a:solidFill>
                       <a:srgbClr val="000000"/>
                     </a:solidFill>
@@ -11262,7 +11262,7 @@
               </a:ln>
               <a:extLst>
                 <a:ext uri="{91240B29-F687-4f45-9708-019B960494DF}">
-                  <a14:hiddenLine xmlns:a14="http://schemas.microsoft.com/office/drawing/2010/main" xmlns="" w="9525">
+                  <a14:hiddenLine xmlns="" xmlns:a14="http://schemas.microsoft.com/office/drawing/2010/main" w="9525">
                     <a:solidFill>
                       <a:srgbClr val="000000"/>
                     </a:solidFill>
@@ -11352,7 +11352,7 @@
               </a:ln>
               <a:extLst>
                 <a:ext uri="{91240B29-F687-4f45-9708-019B960494DF}">
-                  <a14:hiddenLine xmlns:a14="http://schemas.microsoft.com/office/drawing/2010/main" xmlns="" w="9525">
+                  <a14:hiddenLine xmlns="" xmlns:a14="http://schemas.microsoft.com/office/drawing/2010/main" w="9525">
                     <a:solidFill>
                       <a:srgbClr val="000000"/>
                     </a:solidFill>
@@ -11417,7 +11417,7 @@
               </a:ln>
               <a:extLst>
                 <a:ext uri="{91240B29-F687-4f45-9708-019B960494DF}">
-                  <a14:hiddenLine xmlns:a14="http://schemas.microsoft.com/office/drawing/2010/main" xmlns="" w="9525">
+                  <a14:hiddenLine xmlns="" xmlns:a14="http://schemas.microsoft.com/office/drawing/2010/main" w="9525">
                     <a:solidFill>
                       <a:srgbClr val="000000"/>
                     </a:solidFill>
@@ -11537,7 +11537,7 @@
               </a:ln>
               <a:extLst>
                 <a:ext uri="{91240B29-F687-4f45-9708-019B960494DF}">
-                  <a14:hiddenLine xmlns:a14="http://schemas.microsoft.com/office/drawing/2010/main" xmlns="" w="9525">
+                  <a14:hiddenLine xmlns="" xmlns:a14="http://schemas.microsoft.com/office/drawing/2010/main" w="9525">
                     <a:solidFill>
                       <a:srgbClr val="000000"/>
                     </a:solidFill>
@@ -11618,7 +11618,7 @@
               </a:ln>
               <a:extLst>
                 <a:ext uri="{91240B29-F687-4f45-9708-019B960494DF}">
-                  <a14:hiddenLine xmlns:a14="http://schemas.microsoft.com/office/drawing/2010/main" xmlns="" w="9525">
+                  <a14:hiddenLine xmlns="" xmlns:a14="http://schemas.microsoft.com/office/drawing/2010/main" w="9525">
                     <a:solidFill>
                       <a:srgbClr val="000000"/>
                     </a:solidFill>
@@ -11733,7 +11733,7 @@
               </a:ln>
               <a:extLst>
                 <a:ext uri="{91240B29-F687-4f45-9708-019B960494DF}">
-                  <a14:hiddenLine xmlns:a14="http://schemas.microsoft.com/office/drawing/2010/main" xmlns="" w="9525">
+                  <a14:hiddenLine xmlns="" xmlns:a14="http://schemas.microsoft.com/office/drawing/2010/main" w="9525">
                     <a:solidFill>
                       <a:srgbClr val="000000"/>
                     </a:solidFill>
@@ -11823,7 +11823,7 @@
               </a:ln>
               <a:extLst>
                 <a:ext uri="{91240B29-F687-4f45-9708-019B960494DF}">
-                  <a14:hiddenLine xmlns:a14="http://schemas.microsoft.com/office/drawing/2010/main" xmlns="" w="9525">
+                  <a14:hiddenLine xmlns="" xmlns:a14="http://schemas.microsoft.com/office/drawing/2010/main" w="9525">
                     <a:solidFill>
                       <a:srgbClr val="000000"/>
                     </a:solidFill>
@@ -11888,7 +11888,7 @@
               </a:ln>
               <a:extLst>
                 <a:ext uri="{91240B29-F687-4f45-9708-019B960494DF}">
-                  <a14:hiddenLine xmlns:a14="http://schemas.microsoft.com/office/drawing/2010/main" xmlns="" w="9525">
+                  <a14:hiddenLine xmlns="" xmlns:a14="http://schemas.microsoft.com/office/drawing/2010/main" w="9525">
                     <a:solidFill>
                       <a:srgbClr val="000000"/>
                     </a:solidFill>
@@ -11978,7 +11978,7 @@
               </a:ln>
               <a:extLst>
                 <a:ext uri="{91240B29-F687-4f45-9708-019B960494DF}">
-                  <a14:hiddenLine xmlns:a14="http://schemas.microsoft.com/office/drawing/2010/main" xmlns="" w="9525">
+                  <a14:hiddenLine xmlns="" xmlns:a14="http://schemas.microsoft.com/office/drawing/2010/main" w="9525">
                     <a:solidFill>
                       <a:srgbClr val="000000"/>
                     </a:solidFill>
@@ -12046,7 +12046,7 @@
               </a:ln>
               <a:extLst>
                 <a:ext uri="{91240B29-F687-4f45-9708-019B960494DF}">
-                  <a14:hiddenLine xmlns:a14="http://schemas.microsoft.com/office/drawing/2010/main" xmlns="" w="9525">
+                  <a14:hiddenLine xmlns="" xmlns:a14="http://schemas.microsoft.com/office/drawing/2010/main" w="9525">
                     <a:solidFill>
                       <a:srgbClr val="000000"/>
                     </a:solidFill>
@@ -12136,7 +12136,7 @@
               </a:ln>
               <a:extLst>
                 <a:ext uri="{91240B29-F687-4f45-9708-019B960494DF}">
-                  <a14:hiddenLine xmlns:a14="http://schemas.microsoft.com/office/drawing/2010/main" xmlns="" w="9525">
+                  <a14:hiddenLine xmlns="" xmlns:a14="http://schemas.microsoft.com/office/drawing/2010/main" w="9525">
                     <a:solidFill>
                       <a:srgbClr val="000000"/>
                     </a:solidFill>
@@ -12204,7 +12204,7 @@
               </a:ln>
               <a:extLst>
                 <a:ext uri="{91240B29-F687-4f45-9708-019B960494DF}">
-                  <a14:hiddenLine xmlns:a14="http://schemas.microsoft.com/office/drawing/2010/main" xmlns="" w="9525">
+                  <a14:hiddenLine xmlns="" xmlns:a14="http://schemas.microsoft.com/office/drawing/2010/main" w="9525">
                     <a:solidFill>
                       <a:srgbClr val="000000"/>
                     </a:solidFill>
@@ -12294,7 +12294,7 @@
               </a:ln>
               <a:extLst>
                 <a:ext uri="{91240B29-F687-4f45-9708-019B960494DF}">
-                  <a14:hiddenLine xmlns:a14="http://schemas.microsoft.com/office/drawing/2010/main" xmlns="" w="9525">
+                  <a14:hiddenLine xmlns="" xmlns:a14="http://schemas.microsoft.com/office/drawing/2010/main" w="9525">
                     <a:solidFill>
                       <a:srgbClr val="000000"/>
                     </a:solidFill>
@@ -12328,7 +12328,7 @@
               </a:ln>
               <a:extLst>
                 <a:ext uri="{91240B29-F687-4f45-9708-019B960494DF}">
-                  <a14:hiddenLine xmlns:a14="http://schemas.microsoft.com/office/drawing/2010/main" xmlns="" w="9525">
+                  <a14:hiddenLine xmlns="" xmlns:a14="http://schemas.microsoft.com/office/drawing/2010/main" w="9525">
                     <a:solidFill>
                       <a:srgbClr val="000000"/>
                     </a:solidFill>
@@ -20667,6 +20667,11 @@
               <a:rPr lang="ru-RU" sz="2300" dirty="0"/>
               <a:t>1, 2;	2, 3;</a:t>
             </a:r>
+            <a:r>
+              <a:rPr lang="en-US" sz="2300" dirty="0"/>
+              <a:t>	1, 3;</a:t>
+            </a:r>
+            <a:endParaRPr lang="ru-RU" sz="2300" dirty="0"/>
           </a:p>
           <a:p>
             <a:pPr marL="0" indent="0" algn="just">
